--- a/lectures/le1_intro_to_R.pptx
+++ b/lectures/le1_intro_to_R.pptx
@@ -5,48 +5,54 @@
     <p:sldMasterId id="2147483648" r:id="rId1"/>
   </p:sldMasterIdLst>
   <p:notesMasterIdLst>
-    <p:notesMasterId r:id="rId41"/>
+    <p:notesMasterId r:id="rId47"/>
   </p:notesMasterIdLst>
   <p:sldIdLst>
     <p:sldId id="256" r:id="rId2"/>
     <p:sldId id="261" r:id="rId3"/>
     <p:sldId id="260" r:id="rId4"/>
-    <p:sldId id="257" r:id="rId5"/>
-    <p:sldId id="258" r:id="rId6"/>
-    <p:sldId id="259" r:id="rId7"/>
-    <p:sldId id="262" r:id="rId8"/>
-    <p:sldId id="264" r:id="rId9"/>
-    <p:sldId id="265" r:id="rId10"/>
-    <p:sldId id="266" r:id="rId11"/>
-    <p:sldId id="267" r:id="rId12"/>
-    <p:sldId id="263" r:id="rId13"/>
-    <p:sldId id="268" r:id="rId14"/>
-    <p:sldId id="269" r:id="rId15"/>
-    <p:sldId id="270" r:id="rId16"/>
-    <p:sldId id="279" r:id="rId17"/>
-    <p:sldId id="271" r:id="rId18"/>
-    <p:sldId id="272" r:id="rId19"/>
-    <p:sldId id="273" r:id="rId20"/>
-    <p:sldId id="274" r:id="rId21"/>
-    <p:sldId id="275" r:id="rId22"/>
-    <p:sldId id="276" r:id="rId23"/>
-    <p:sldId id="277" r:id="rId24"/>
-    <p:sldId id="280" r:id="rId25"/>
-    <p:sldId id="278" r:id="rId26"/>
-    <p:sldId id="281" r:id="rId27"/>
-    <p:sldId id="282" r:id="rId28"/>
-    <p:sldId id="284" r:id="rId29"/>
-    <p:sldId id="283" r:id="rId30"/>
-    <p:sldId id="285" r:id="rId31"/>
-    <p:sldId id="286" r:id="rId32"/>
-    <p:sldId id="287" r:id="rId33"/>
-    <p:sldId id="288" r:id="rId34"/>
-    <p:sldId id="289" r:id="rId35"/>
-    <p:sldId id="294" r:id="rId36"/>
-    <p:sldId id="292" r:id="rId37"/>
-    <p:sldId id="293" r:id="rId38"/>
-    <p:sldId id="290" r:id="rId39"/>
-    <p:sldId id="291" r:id="rId40"/>
+    <p:sldId id="295" r:id="rId5"/>
+    <p:sldId id="299" r:id="rId6"/>
+    <p:sldId id="300" r:id="rId7"/>
+    <p:sldId id="296" r:id="rId8"/>
+    <p:sldId id="298" r:id="rId9"/>
+    <p:sldId id="297" r:id="rId10"/>
+    <p:sldId id="257" r:id="rId11"/>
+    <p:sldId id="258" r:id="rId12"/>
+    <p:sldId id="259" r:id="rId13"/>
+    <p:sldId id="262" r:id="rId14"/>
+    <p:sldId id="264" r:id="rId15"/>
+    <p:sldId id="265" r:id="rId16"/>
+    <p:sldId id="266" r:id="rId17"/>
+    <p:sldId id="267" r:id="rId18"/>
+    <p:sldId id="263" r:id="rId19"/>
+    <p:sldId id="268" r:id="rId20"/>
+    <p:sldId id="269" r:id="rId21"/>
+    <p:sldId id="270" r:id="rId22"/>
+    <p:sldId id="279" r:id="rId23"/>
+    <p:sldId id="271" r:id="rId24"/>
+    <p:sldId id="272" r:id="rId25"/>
+    <p:sldId id="273" r:id="rId26"/>
+    <p:sldId id="274" r:id="rId27"/>
+    <p:sldId id="275" r:id="rId28"/>
+    <p:sldId id="276" r:id="rId29"/>
+    <p:sldId id="277" r:id="rId30"/>
+    <p:sldId id="280" r:id="rId31"/>
+    <p:sldId id="278" r:id="rId32"/>
+    <p:sldId id="281" r:id="rId33"/>
+    <p:sldId id="282" r:id="rId34"/>
+    <p:sldId id="284" r:id="rId35"/>
+    <p:sldId id="283" r:id="rId36"/>
+    <p:sldId id="285" r:id="rId37"/>
+    <p:sldId id="286" r:id="rId38"/>
+    <p:sldId id="287" r:id="rId39"/>
+    <p:sldId id="288" r:id="rId40"/>
+    <p:sldId id="289" r:id="rId41"/>
+    <p:sldId id="294" r:id="rId42"/>
+    <p:sldId id="292" r:id="rId43"/>
+    <p:sldId id="293" r:id="rId44"/>
+    <p:sldId id="290" r:id="rId45"/>
+    <p:sldId id="291" r:id="rId46"/>
   </p:sldIdLst>
   <p:sldSz cx="12192000" cy="6858000"/>
   <p:notesSz cx="6858000" cy="9144000"/>
@@ -153,6 +159,12 @@
             <p14:sldId id="256"/>
             <p14:sldId id="261"/>
             <p14:sldId id="260"/>
+            <p14:sldId id="295"/>
+            <p14:sldId id="299"/>
+            <p14:sldId id="300"/>
+            <p14:sldId id="296"/>
+            <p14:sldId id="298"/>
+            <p14:sldId id="297"/>
             <p14:sldId id="257"/>
             <p14:sldId id="258"/>
             <p14:sldId id="259"/>
@@ -282,7 +294,7 @@
           <a:p>
             <a:fld id="{7EA08848-EDDF-DE45-82E6-68606771EFB5}" type="datetimeFigureOut">
               <a:rPr lang="en-US" smtClean="0"/>
-              <a:t>1/22/19</a:t>
+              <a:t>1/20/20</a:t>
             </a:fld>
             <a:endParaRPr lang="en-US"/>
           </a:p>
@@ -614,7 +626,7 @@
           <a:p>
             <a:fld id="{18D06CE0-210B-C547-B7C0-679F4950FCC7}" type="slidenum">
               <a:rPr lang="en-US" smtClean="0"/>
-              <a:t>8</a:t>
+              <a:t>14</a:t>
             </a:fld>
             <a:endParaRPr lang="en-US"/>
           </a:p>
@@ -698,7 +710,7 @@
           <a:p>
             <a:fld id="{18D06CE0-210B-C547-B7C0-679F4950FCC7}" type="slidenum">
               <a:rPr lang="en-US" smtClean="0"/>
-              <a:t>9</a:t>
+              <a:t>15</a:t>
             </a:fld>
             <a:endParaRPr lang="en-US"/>
           </a:p>
@@ -782,7 +794,7 @@
           <a:p>
             <a:fld id="{18D06CE0-210B-C547-B7C0-679F4950FCC7}" type="slidenum">
               <a:rPr lang="en-US" smtClean="0"/>
-              <a:t>15</a:t>
+              <a:t>21</a:t>
             </a:fld>
             <a:endParaRPr lang="en-US"/>
           </a:p>
@@ -866,7 +878,7 @@
           <a:p>
             <a:fld id="{18D06CE0-210B-C547-B7C0-679F4950FCC7}" type="slidenum">
               <a:rPr lang="en-US" smtClean="0"/>
-              <a:t>39</a:t>
+              <a:t>45</a:t>
             </a:fld>
             <a:endParaRPr lang="en-US"/>
           </a:p>
@@ -1014,7 +1026,7 @@
           <a:p>
             <a:fld id="{08285510-ACEB-5F4A-B0F5-DAD86194FF96}" type="datetimeFigureOut">
               <a:rPr lang="en-US" smtClean="0"/>
-              <a:t>1/22/19</a:t>
+              <a:t>1/20/20</a:t>
             </a:fld>
             <a:endParaRPr lang="en-US"/>
           </a:p>
@@ -1182,7 +1194,7 @@
           <a:p>
             <a:fld id="{08285510-ACEB-5F4A-B0F5-DAD86194FF96}" type="datetimeFigureOut">
               <a:rPr lang="en-US" smtClean="0"/>
-              <a:t>1/22/19</a:t>
+              <a:t>1/20/20</a:t>
             </a:fld>
             <a:endParaRPr lang="en-US"/>
           </a:p>
@@ -1360,7 +1372,7 @@
           <a:p>
             <a:fld id="{08285510-ACEB-5F4A-B0F5-DAD86194FF96}" type="datetimeFigureOut">
               <a:rPr lang="en-US" smtClean="0"/>
-              <a:t>1/22/19</a:t>
+              <a:t>1/20/20</a:t>
             </a:fld>
             <a:endParaRPr lang="en-US"/>
           </a:p>
@@ -1528,7 +1540,7 @@
           <a:p>
             <a:fld id="{08285510-ACEB-5F4A-B0F5-DAD86194FF96}" type="datetimeFigureOut">
               <a:rPr lang="en-US" smtClean="0"/>
-              <a:t>1/22/19</a:t>
+              <a:t>1/20/20</a:t>
             </a:fld>
             <a:endParaRPr lang="en-US"/>
           </a:p>
@@ -1773,7 +1785,7 @@
           <a:p>
             <a:fld id="{08285510-ACEB-5F4A-B0F5-DAD86194FF96}" type="datetimeFigureOut">
               <a:rPr lang="en-US" smtClean="0"/>
-              <a:t>1/22/19</a:t>
+              <a:t>1/20/20</a:t>
             </a:fld>
             <a:endParaRPr lang="en-US"/>
           </a:p>
@@ -2002,7 +2014,7 @@
           <a:p>
             <a:fld id="{08285510-ACEB-5F4A-B0F5-DAD86194FF96}" type="datetimeFigureOut">
               <a:rPr lang="en-US" smtClean="0"/>
-              <a:t>1/22/19</a:t>
+              <a:t>1/20/20</a:t>
             </a:fld>
             <a:endParaRPr lang="en-US"/>
           </a:p>
@@ -2366,7 +2378,7 @@
           <a:p>
             <a:fld id="{08285510-ACEB-5F4A-B0F5-DAD86194FF96}" type="datetimeFigureOut">
               <a:rPr lang="en-US" smtClean="0"/>
-              <a:t>1/22/19</a:t>
+              <a:t>1/20/20</a:t>
             </a:fld>
             <a:endParaRPr lang="en-US"/>
           </a:p>
@@ -2483,7 +2495,7 @@
           <a:p>
             <a:fld id="{08285510-ACEB-5F4A-B0F5-DAD86194FF96}" type="datetimeFigureOut">
               <a:rPr lang="en-US" smtClean="0"/>
-              <a:t>1/22/19</a:t>
+              <a:t>1/20/20</a:t>
             </a:fld>
             <a:endParaRPr lang="en-US"/>
           </a:p>
@@ -2578,7 +2590,7 @@
           <a:p>
             <a:fld id="{08285510-ACEB-5F4A-B0F5-DAD86194FF96}" type="datetimeFigureOut">
               <a:rPr lang="en-US" smtClean="0"/>
-              <a:t>1/22/19</a:t>
+              <a:t>1/20/20</a:t>
             </a:fld>
             <a:endParaRPr lang="en-US"/>
           </a:p>
@@ -2853,7 +2865,7 @@
           <a:p>
             <a:fld id="{08285510-ACEB-5F4A-B0F5-DAD86194FF96}" type="datetimeFigureOut">
               <a:rPr lang="en-US" smtClean="0"/>
-              <a:t>1/22/19</a:t>
+              <a:t>1/20/20</a:t>
             </a:fld>
             <a:endParaRPr lang="en-US"/>
           </a:p>
@@ -3105,7 +3117,7 @@
           <a:p>
             <a:fld id="{08285510-ACEB-5F4A-B0F5-DAD86194FF96}" type="datetimeFigureOut">
               <a:rPr lang="en-US" smtClean="0"/>
-              <a:t>1/22/19</a:t>
+              <a:t>1/20/20</a:t>
             </a:fld>
             <a:endParaRPr lang="en-US"/>
           </a:p>
@@ -3316,7 +3328,7 @@
           <a:p>
             <a:fld id="{08285510-ACEB-5F4A-B0F5-DAD86194FF96}" type="datetimeFigureOut">
               <a:rPr lang="en-US" smtClean="0"/>
-              <a:t>1/22/19</a:t>
+              <a:t>1/20/20</a:t>
             </a:fld>
             <a:endParaRPr lang="en-US"/>
           </a:p>
@@ -3760,7 +3772,7 @@
           <a:p>
             <a:r>
               <a:rPr lang="en-US" dirty="0"/>
-              <a:t>Working with data in ecology and evolutionary biology</a:t>
+              <a:t>Quantitative methods in ecology and evolution</a:t>
             </a:r>
           </a:p>
         </p:txBody>
@@ -3812,90 +3824,125 @@
           <a:p>
             <a:r>
               <a:rPr lang="en-US" dirty="0"/>
-              <a:t>Exploring R</a:t>
-            </a:r>
-          </a:p>
-        </p:txBody>
-      </p:sp>
-      <p:pic>
-        <p:nvPicPr>
-          <p:cNvPr id="4" name="Content Placeholder 3"/>
-          <p:cNvPicPr>
-            <a:picLocks noGrp="1" noChangeAspect="1"/>
-          </p:cNvPicPr>
+              <a:t>Preparation</a:t>
+            </a:r>
+          </a:p>
+        </p:txBody>
+      </p:sp>
+      <p:sp>
+        <p:nvSpPr>
+          <p:cNvPr id="3" name="Content Placeholder 2"/>
+          <p:cNvSpPr>
+            <a:spLocks noGrp="1"/>
+          </p:cNvSpPr>
           <p:nvPr>
             <p:ph idx="1"/>
           </p:nvPr>
-        </p:nvPicPr>
-        <p:blipFill>
-          <a:blip r:embed="rId2">
-            <a:extLst>
-              <a:ext uri="{28A0092B-C50C-407E-A947-70E740481C1C}">
-                <a14:useLocalDpi xmlns:a14="http://schemas.microsoft.com/office/drawing/2010/main" val="0"/>
-              </a:ext>
-            </a:extLst>
-          </a:blip>
-          <a:stretch>
-            <a:fillRect/>
-          </a:stretch>
-        </p:blipFill>
-        <p:spPr>
-          <a:xfrm>
-            <a:off x="1557108" y="1390910"/>
-            <a:ext cx="8711153" cy="5123093"/>
-          </a:xfrm>
-        </p:spPr>
-      </p:pic>
-      <p:sp>
-        <p:nvSpPr>
-          <p:cNvPr id="5" name="TextBox 4"/>
-          <p:cNvSpPr txBox="1"/>
-          <p:nvPr/>
-        </p:nvSpPr>
-        <p:spPr>
-          <a:xfrm>
-            <a:off x="6151878" y="1021578"/>
-            <a:ext cx="4581767" cy="369332"/>
-          </a:xfrm>
-          <a:prstGeom prst="rect">
-            <a:avLst/>
-          </a:prstGeom>
-          <a:noFill/>
-        </p:spPr>
-        <p:txBody>
-          <a:bodyPr wrap="none" rtlCol="0">
-            <a:spAutoFit/>
-          </a:bodyPr>
-          <a:lstStyle/>
-          <a:p>
+        </p:nvSpPr>
+        <p:spPr/>
+        <p:txBody>
+          <a:bodyPr/>
+          <a:lstStyle/>
+          <a:p>
+            <a:r>
+              <a:rPr lang="en-US" dirty="0"/>
+              <a:t>Bring your laptop</a:t>
+            </a:r>
+          </a:p>
+          <a:p>
+            <a:endParaRPr lang="en-US" dirty="0"/>
+          </a:p>
+          <a:p>
+            <a:r>
+              <a:rPr lang="en-US" dirty="0"/>
+              <a:t>Install (or update) R</a:t>
+            </a:r>
+          </a:p>
+          <a:p>
+            <a:pPr lvl="1"/>
+            <a:r>
+              <a:rPr lang="en-US" dirty="0"/>
+              <a:t>Open source via  </a:t>
+            </a:r>
             <a:r>
               <a:rPr lang="en-US" dirty="0">
-                <a:solidFill>
-                  <a:srgbClr val="FF0000"/>
-                </a:solidFill>
+                <a:hlinkClick r:id="rId2"/>
               </a:rPr>
-              <a:t>R studio tells you what is currently </a:t>
-            </a:r>
-            <a:r>
-              <a:rPr lang="en-US">
-                <a:solidFill>
-                  <a:srgbClr val="FF0000"/>
-                </a:solidFill>
+              <a:t>the Comprehensive R Archive Network</a:t>
+            </a:r>
+            <a:r>
+              <a:rPr lang="en-US" dirty="0"/>
+              <a:t> - </a:t>
+            </a:r>
+            <a:r>
+              <a:rPr lang="en-US" dirty="0">
+                <a:hlinkClick r:id="rId3"/>
               </a:rPr>
-              <a:t>loaded here</a:t>
-            </a:r>
-            <a:endParaRPr lang="en-US" dirty="0">
-              <a:solidFill>
-                <a:srgbClr val="FF0000"/>
-              </a:solidFill>
-            </a:endParaRPr>
+              <a:t>https://cran.r-project.org</a:t>
+            </a:r>
+            <a:endParaRPr lang="en-US" dirty="0"/>
+          </a:p>
+          <a:p>
+            <a:pPr lvl="1"/>
+            <a:r>
+              <a:rPr lang="en-US" dirty="0"/>
+              <a:t>Link is at the top of the page</a:t>
+            </a:r>
+          </a:p>
+          <a:p>
+            <a:pPr lvl="1"/>
+            <a:endParaRPr lang="en-US" dirty="0"/>
+          </a:p>
+          <a:p>
+            <a:r>
+              <a:rPr lang="en-US" dirty="0"/>
+              <a:t>Also, install </a:t>
+            </a:r>
+            <a:r>
+              <a:rPr lang="en-US" dirty="0" err="1"/>
+              <a:t>Rstudio</a:t>
+            </a:r>
+            <a:r>
+              <a:rPr lang="en-US" dirty="0"/>
+              <a:t> </a:t>
+            </a:r>
+          </a:p>
+          <a:p>
+            <a:pPr lvl="1"/>
+            <a:r>
+              <a:rPr lang="en-US" dirty="0"/>
+              <a:t>You want the desktop version</a:t>
+            </a:r>
+          </a:p>
+          <a:p>
+            <a:pPr lvl="1"/>
+            <a:r>
+              <a:rPr lang="en-US" dirty="0"/>
+              <a:t>https://</a:t>
+            </a:r>
+            <a:r>
+              <a:rPr lang="en-US" dirty="0" err="1"/>
+              <a:t>www.rstudio.com</a:t>
+            </a:r>
+            <a:r>
+              <a:rPr lang="en-US" dirty="0"/>
+              <a:t>/products/</a:t>
+            </a:r>
+            <a:r>
+              <a:rPr lang="en-US" dirty="0" err="1"/>
+              <a:t>rstudio</a:t>
+            </a:r>
+            <a:r>
+              <a:rPr lang="en-US" dirty="0"/>
+              <a:t>/</a:t>
+            </a:r>
           </a:p>
         </p:txBody>
       </p:sp>
     </p:spTree>
     <p:extLst>
       <p:ext uri="{BB962C8B-B14F-4D97-AF65-F5344CB8AC3E}">
-        <p14:creationId xmlns:p14="http://schemas.microsoft.com/office/powerpoint/2010/main" val="1181430228"/>
+        <p14:creationId xmlns:p14="http://schemas.microsoft.com/office/powerpoint/2010/main" val="179595658"/>
       </p:ext>
     </p:extLst>
   </p:cSld>
@@ -3939,6 +3986,592 @@
           <a:p>
             <a:r>
               <a:rPr lang="en-US" dirty="0"/>
+              <a:t>Class structure</a:t>
+            </a:r>
+          </a:p>
+        </p:txBody>
+      </p:sp>
+      <p:sp>
+        <p:nvSpPr>
+          <p:cNvPr id="3" name="Content Placeholder 2"/>
+          <p:cNvSpPr>
+            <a:spLocks noGrp="1"/>
+          </p:cNvSpPr>
+          <p:nvPr>
+            <p:ph idx="1"/>
+          </p:nvPr>
+        </p:nvSpPr>
+        <p:spPr/>
+        <p:txBody>
+          <a:bodyPr>
+            <a:normAutofit fontScale="92500" lnSpcReduction="10000"/>
+          </a:bodyPr>
+          <a:lstStyle/>
+          <a:p>
+            <a:r>
+              <a:rPr lang="en-US" dirty="0"/>
+              <a:t>Tuesdays</a:t>
+            </a:r>
+          </a:p>
+          <a:p>
+            <a:pPr lvl="1"/>
+            <a:r>
+              <a:rPr lang="en-US" dirty="0"/>
+              <a:t>Lecture</a:t>
+            </a:r>
+          </a:p>
+          <a:p>
+            <a:pPr lvl="1"/>
+            <a:endParaRPr lang="en-US" dirty="0"/>
+          </a:p>
+          <a:p>
+            <a:r>
+              <a:rPr lang="en-US" dirty="0"/>
+              <a:t>Thursdays</a:t>
+            </a:r>
+          </a:p>
+          <a:p>
+            <a:pPr lvl="1"/>
+            <a:r>
+              <a:rPr lang="en-US" dirty="0"/>
+              <a:t>Working lab</a:t>
+            </a:r>
+          </a:p>
+          <a:p>
+            <a:pPr lvl="1"/>
+            <a:endParaRPr lang="en-US" dirty="0"/>
+          </a:p>
+          <a:p>
+            <a:r>
+              <a:rPr lang="en-US" dirty="0"/>
+              <a:t>Assignments will typically be given on Thursdays, and due by midnight on the following Wednesday.</a:t>
+            </a:r>
+          </a:p>
+          <a:p>
+            <a:pPr lvl="1"/>
+            <a:r>
+              <a:rPr lang="en-US" dirty="0"/>
+              <a:t>Most important: </a:t>
+            </a:r>
+            <a:r>
+              <a:rPr lang="en-US" b="1" dirty="0"/>
+              <a:t>Code should be reproducible. </a:t>
+            </a:r>
+          </a:p>
+          <a:p>
+            <a:pPr lvl="1"/>
+            <a:r>
+              <a:rPr lang="en-US" dirty="0"/>
+              <a:t>Email me if you need more time, participation is 10% of your grade. See late policy in syllabus. </a:t>
+            </a:r>
+          </a:p>
+          <a:p>
+            <a:pPr lvl="1"/>
+            <a:r>
+              <a:rPr lang="en-US" dirty="0"/>
+              <a:t>Don’t agonize over these. </a:t>
+            </a:r>
+          </a:p>
+          <a:p>
+            <a:pPr lvl="1"/>
+            <a:endParaRPr lang="en-US" dirty="0"/>
+          </a:p>
+          <a:p>
+            <a:pPr lvl="1"/>
+            <a:endParaRPr lang="en-US" dirty="0"/>
+          </a:p>
+          <a:p>
+            <a:endParaRPr lang="en-US" dirty="0"/>
+          </a:p>
+        </p:txBody>
+      </p:sp>
+    </p:spTree>
+    <p:extLst>
+      <p:ext uri="{BB962C8B-B14F-4D97-AF65-F5344CB8AC3E}">
+        <p14:creationId xmlns:p14="http://schemas.microsoft.com/office/powerpoint/2010/main" val="1718344980"/>
+      </p:ext>
+    </p:extLst>
+  </p:cSld>
+  <p:clrMapOvr>
+    <a:masterClrMapping/>
+  </p:clrMapOvr>
+</p:sld>
+</file>
+
+<file path=ppt/slides/slide12.xml><?xml version="1.0" encoding="utf-8"?>
+<p:sld xmlns:a="http://schemas.openxmlformats.org/drawingml/2006/main" xmlns:r="http://schemas.openxmlformats.org/officeDocument/2006/relationships" xmlns:p="http://schemas.openxmlformats.org/presentationml/2006/main">
+  <p:cSld>
+    <p:spTree>
+      <p:nvGrpSpPr>
+        <p:cNvPr id="1" name=""/>
+        <p:cNvGrpSpPr/>
+        <p:nvPr/>
+      </p:nvGrpSpPr>
+      <p:grpSpPr>
+        <a:xfrm>
+          <a:off x="0" y="0"/>
+          <a:ext cx="0" cy="0"/>
+          <a:chOff x="0" y="0"/>
+          <a:chExt cx="0" cy="0"/>
+        </a:xfrm>
+      </p:grpSpPr>
+      <p:sp>
+        <p:nvSpPr>
+          <p:cNvPr id="2" name="Title 1"/>
+          <p:cNvSpPr>
+            <a:spLocks noGrp="1"/>
+          </p:cNvSpPr>
+          <p:nvPr>
+            <p:ph type="title"/>
+          </p:nvPr>
+        </p:nvSpPr>
+        <p:spPr/>
+        <p:txBody>
+          <a:bodyPr/>
+          <a:lstStyle/>
+          <a:p>
+            <a:r>
+              <a:rPr lang="en-US" dirty="0"/>
+              <a:t>Data</a:t>
+            </a:r>
+          </a:p>
+        </p:txBody>
+      </p:sp>
+      <p:sp>
+        <p:nvSpPr>
+          <p:cNvPr id="3" name="Content Placeholder 2"/>
+          <p:cNvSpPr>
+            <a:spLocks noGrp="1"/>
+          </p:cNvSpPr>
+          <p:nvPr>
+            <p:ph idx="1"/>
+          </p:nvPr>
+        </p:nvSpPr>
+        <p:spPr/>
+        <p:txBody>
+          <a:bodyPr>
+            <a:normAutofit fontScale="92500" lnSpcReduction="20000"/>
+          </a:bodyPr>
+          <a:lstStyle/>
+          <a:p>
+            <a:r>
+              <a:rPr lang="en-US" dirty="0"/>
+              <a:t>The goal of this course is teach you useful skills for exploring your own data.</a:t>
+            </a:r>
+          </a:p>
+          <a:p>
+            <a:endParaRPr lang="en-US" dirty="0"/>
+          </a:p>
+          <a:p>
+            <a:r>
+              <a:rPr lang="en-US" dirty="0"/>
+              <a:t>The best scenario is you use actual data from your thesis. </a:t>
+            </a:r>
+          </a:p>
+          <a:p>
+            <a:endParaRPr lang="en-US" dirty="0"/>
+          </a:p>
+          <a:p>
+            <a:r>
+              <a:rPr lang="en-US" dirty="0"/>
+              <a:t>Also acceptable: borrow a dataset that will be similar to your thesis dataset, ask your advisor – they may be thrilled to share something from their file cabinet. </a:t>
+            </a:r>
+          </a:p>
+          <a:p>
+            <a:endParaRPr lang="en-US" dirty="0"/>
+          </a:p>
+          <a:p>
+            <a:r>
+              <a:rPr lang="en-US" dirty="0"/>
+              <a:t>Online repositories are also great places to get data! Please let me know ASAP if you do not have any dataset or have any way of obtaining one so we can brainstorm some solutions.</a:t>
+            </a:r>
+          </a:p>
+        </p:txBody>
+      </p:sp>
+    </p:spTree>
+    <p:extLst>
+      <p:ext uri="{BB962C8B-B14F-4D97-AF65-F5344CB8AC3E}">
+        <p14:creationId xmlns:p14="http://schemas.microsoft.com/office/powerpoint/2010/main" val="522181417"/>
+      </p:ext>
+    </p:extLst>
+  </p:cSld>
+  <p:clrMapOvr>
+    <a:masterClrMapping/>
+  </p:clrMapOvr>
+</p:sld>
+</file>
+
+<file path=ppt/slides/slide13.xml><?xml version="1.0" encoding="utf-8"?>
+<p:sld xmlns:a="http://schemas.openxmlformats.org/drawingml/2006/main" xmlns:r="http://schemas.openxmlformats.org/officeDocument/2006/relationships" xmlns:p="http://schemas.openxmlformats.org/presentationml/2006/main">
+  <p:cSld>
+    <p:spTree>
+      <p:nvGrpSpPr>
+        <p:cNvPr id="1" name=""/>
+        <p:cNvGrpSpPr/>
+        <p:nvPr/>
+      </p:nvGrpSpPr>
+      <p:grpSpPr>
+        <a:xfrm>
+          <a:off x="0" y="0"/>
+          <a:ext cx="0" cy="0"/>
+          <a:chOff x="0" y="0"/>
+          <a:chExt cx="0" cy="0"/>
+        </a:xfrm>
+      </p:grpSpPr>
+      <p:sp>
+        <p:nvSpPr>
+          <p:cNvPr id="2" name="Title 1"/>
+          <p:cNvSpPr>
+            <a:spLocks noGrp="1"/>
+          </p:cNvSpPr>
+          <p:nvPr>
+            <p:ph type="title"/>
+          </p:nvPr>
+        </p:nvSpPr>
+        <p:spPr/>
+        <p:txBody>
+          <a:bodyPr/>
+          <a:lstStyle/>
+          <a:p>
+            <a:r>
+              <a:rPr lang="en-US" dirty="0"/>
+              <a:t>What is R?</a:t>
+            </a:r>
+          </a:p>
+        </p:txBody>
+      </p:sp>
+      <p:sp>
+        <p:nvSpPr>
+          <p:cNvPr id="3" name="Content Placeholder 2"/>
+          <p:cNvSpPr>
+            <a:spLocks noGrp="1"/>
+          </p:cNvSpPr>
+          <p:nvPr>
+            <p:ph idx="1"/>
+          </p:nvPr>
+        </p:nvSpPr>
+        <p:spPr/>
+        <p:txBody>
+          <a:bodyPr/>
+          <a:lstStyle/>
+          <a:p>
+            <a:r>
+              <a:rPr lang="en-US" dirty="0"/>
+              <a:t>R is a programming language.</a:t>
+            </a:r>
+          </a:p>
+          <a:p>
+            <a:endParaRPr lang="en-US" dirty="0"/>
+          </a:p>
+          <a:p>
+            <a:r>
+              <a:rPr lang="en-US" dirty="0"/>
+              <a:t>It’s open-source, which means any of us could write an contribute packages for R.</a:t>
+            </a:r>
+          </a:p>
+          <a:p>
+            <a:endParaRPr lang="en-US" dirty="0"/>
+          </a:p>
+          <a:p>
+            <a:r>
+              <a:rPr lang="en-US" dirty="0"/>
+              <a:t>This is both awesome and terrible. </a:t>
+            </a:r>
+          </a:p>
+          <a:p>
+            <a:pPr lvl="1"/>
+            <a:r>
+              <a:rPr lang="en-US" dirty="0"/>
+              <a:t>What are some of the pros and cons of this? </a:t>
+            </a:r>
+          </a:p>
+        </p:txBody>
+      </p:sp>
+    </p:spTree>
+    <p:extLst>
+      <p:ext uri="{BB962C8B-B14F-4D97-AF65-F5344CB8AC3E}">
+        <p14:creationId xmlns:p14="http://schemas.microsoft.com/office/powerpoint/2010/main" val="873744527"/>
+      </p:ext>
+    </p:extLst>
+  </p:cSld>
+  <p:clrMapOvr>
+    <a:masterClrMapping/>
+  </p:clrMapOvr>
+</p:sld>
+</file>
+
+<file path=ppt/slides/slide14.xml><?xml version="1.0" encoding="utf-8"?>
+<p:sld xmlns:a="http://schemas.openxmlformats.org/drawingml/2006/main" xmlns:r="http://schemas.openxmlformats.org/officeDocument/2006/relationships" xmlns:p="http://schemas.openxmlformats.org/presentationml/2006/main">
+  <p:cSld>
+    <p:spTree>
+      <p:nvGrpSpPr>
+        <p:cNvPr id="1" name=""/>
+        <p:cNvGrpSpPr/>
+        <p:nvPr/>
+      </p:nvGrpSpPr>
+      <p:grpSpPr>
+        <a:xfrm>
+          <a:off x="0" y="0"/>
+          <a:ext cx="0" cy="0"/>
+          <a:chOff x="0" y="0"/>
+          <a:chExt cx="0" cy="0"/>
+        </a:xfrm>
+      </p:grpSpPr>
+      <p:sp>
+        <p:nvSpPr>
+          <p:cNvPr id="2" name="Title 1"/>
+          <p:cNvSpPr>
+            <a:spLocks noGrp="1"/>
+          </p:cNvSpPr>
+          <p:nvPr>
+            <p:ph type="title"/>
+          </p:nvPr>
+        </p:nvSpPr>
+        <p:spPr/>
+        <p:txBody>
+          <a:bodyPr/>
+          <a:lstStyle/>
+          <a:p>
+            <a:r>
+              <a:rPr lang="en-US" dirty="0"/>
+              <a:t>Exploring R</a:t>
+            </a:r>
+          </a:p>
+        </p:txBody>
+      </p:sp>
+      <p:pic>
+        <p:nvPicPr>
+          <p:cNvPr id="4" name="Content Placeholder 3"/>
+          <p:cNvPicPr>
+            <a:picLocks noGrp="1" noChangeAspect="1"/>
+          </p:cNvPicPr>
+          <p:nvPr>
+            <p:ph idx="1"/>
+          </p:nvPr>
+        </p:nvPicPr>
+        <p:blipFill>
+          <a:blip r:embed="rId3">
+            <a:extLst>
+              <a:ext uri="{28A0092B-C50C-407E-A947-70E740481C1C}">
+                <a14:useLocalDpi xmlns:a14="http://schemas.microsoft.com/office/drawing/2010/main" val="0"/>
+              </a:ext>
+            </a:extLst>
+          </a:blip>
+          <a:stretch>
+            <a:fillRect/>
+          </a:stretch>
+        </p:blipFill>
+        <p:spPr>
+          <a:xfrm>
+            <a:off x="1557108" y="1390910"/>
+            <a:ext cx="8711153" cy="5123093"/>
+          </a:xfrm>
+        </p:spPr>
+      </p:pic>
+      <p:sp>
+        <p:nvSpPr>
+          <p:cNvPr id="5" name="TextBox 4"/>
+          <p:cNvSpPr txBox="1"/>
+          <p:nvPr/>
+        </p:nvSpPr>
+        <p:spPr>
+          <a:xfrm>
+            <a:off x="2984501" y="3002240"/>
+            <a:ext cx="2654300" cy="923330"/>
+          </a:xfrm>
+          <a:prstGeom prst="rect">
+            <a:avLst/>
+          </a:prstGeom>
+          <a:noFill/>
+        </p:spPr>
+        <p:txBody>
+          <a:bodyPr wrap="square" rtlCol="0">
+            <a:spAutoFit/>
+          </a:bodyPr>
+          <a:lstStyle/>
+          <a:p>
+            <a:r>
+              <a:rPr lang="en-US" dirty="0">
+                <a:solidFill>
+                  <a:srgbClr val="FF0000"/>
+                </a:solidFill>
+              </a:rPr>
+              <a:t>Write your commands here (command + enter) to run</a:t>
+            </a:r>
+          </a:p>
+        </p:txBody>
+      </p:sp>
+    </p:spTree>
+    <p:extLst>
+      <p:ext uri="{BB962C8B-B14F-4D97-AF65-F5344CB8AC3E}">
+        <p14:creationId xmlns:p14="http://schemas.microsoft.com/office/powerpoint/2010/main" val="231632860"/>
+      </p:ext>
+    </p:extLst>
+  </p:cSld>
+  <p:clrMapOvr>
+    <a:masterClrMapping/>
+  </p:clrMapOvr>
+</p:sld>
+</file>
+
+<file path=ppt/slides/slide15.xml><?xml version="1.0" encoding="utf-8"?>
+<p:sld xmlns:a="http://schemas.openxmlformats.org/drawingml/2006/main" xmlns:r="http://schemas.openxmlformats.org/officeDocument/2006/relationships" xmlns:p="http://schemas.openxmlformats.org/presentationml/2006/main">
+  <p:cSld>
+    <p:spTree>
+      <p:nvGrpSpPr>
+        <p:cNvPr id="1" name=""/>
+        <p:cNvGrpSpPr/>
+        <p:nvPr/>
+      </p:nvGrpSpPr>
+      <p:grpSpPr>
+        <a:xfrm>
+          <a:off x="0" y="0"/>
+          <a:ext cx="0" cy="0"/>
+          <a:chOff x="0" y="0"/>
+          <a:chExt cx="0" cy="0"/>
+        </a:xfrm>
+      </p:grpSpPr>
+      <p:sp>
+        <p:nvSpPr>
+          <p:cNvPr id="2" name="Title 1"/>
+          <p:cNvSpPr>
+            <a:spLocks noGrp="1"/>
+          </p:cNvSpPr>
+          <p:nvPr>
+            <p:ph type="title"/>
+          </p:nvPr>
+        </p:nvSpPr>
+        <p:spPr/>
+        <p:txBody>
+          <a:bodyPr/>
+          <a:lstStyle/>
+          <a:p>
+            <a:r>
+              <a:rPr lang="en-US" dirty="0"/>
+              <a:t>Exploring R</a:t>
+            </a:r>
+          </a:p>
+        </p:txBody>
+      </p:sp>
+      <p:pic>
+        <p:nvPicPr>
+          <p:cNvPr id="4" name="Content Placeholder 3"/>
+          <p:cNvPicPr>
+            <a:picLocks noGrp="1" noChangeAspect="1"/>
+          </p:cNvPicPr>
+          <p:nvPr>
+            <p:ph idx="1"/>
+          </p:nvPr>
+        </p:nvPicPr>
+        <p:blipFill>
+          <a:blip r:embed="rId3">
+            <a:extLst>
+              <a:ext uri="{28A0092B-C50C-407E-A947-70E740481C1C}">
+                <a14:useLocalDpi xmlns:a14="http://schemas.microsoft.com/office/drawing/2010/main" val="0"/>
+              </a:ext>
+            </a:extLst>
+          </a:blip>
+          <a:stretch>
+            <a:fillRect/>
+          </a:stretch>
+        </p:blipFill>
+        <p:spPr>
+          <a:xfrm>
+            <a:off x="1557108" y="1390910"/>
+            <a:ext cx="8711153" cy="5123093"/>
+          </a:xfrm>
+        </p:spPr>
+      </p:pic>
+      <p:sp>
+        <p:nvSpPr>
+          <p:cNvPr id="5" name="TextBox 4"/>
+          <p:cNvSpPr txBox="1"/>
+          <p:nvPr/>
+        </p:nvSpPr>
+        <p:spPr>
+          <a:xfrm>
+            <a:off x="838200" y="6190837"/>
+            <a:ext cx="7155677" cy="646331"/>
+          </a:xfrm>
+          <a:prstGeom prst="rect">
+            <a:avLst/>
+          </a:prstGeom>
+          <a:noFill/>
+        </p:spPr>
+        <p:txBody>
+          <a:bodyPr wrap="none" rtlCol="0">
+            <a:spAutoFit/>
+          </a:bodyPr>
+          <a:lstStyle/>
+          <a:p>
+            <a:r>
+              <a:rPr lang="en-US" dirty="0">
+                <a:solidFill>
+                  <a:srgbClr val="FF0000"/>
+                </a:solidFill>
+              </a:rPr>
+              <a:t>They will be executed here, in the console.</a:t>
+            </a:r>
+          </a:p>
+          <a:p>
+            <a:r>
+              <a:rPr lang="en-US" dirty="0">
+                <a:solidFill>
+                  <a:srgbClr val="FF0000"/>
+                </a:solidFill>
+              </a:rPr>
+              <a:t>You can also enter stuff directly into the console. (enter to run, esc to quit)</a:t>
+            </a:r>
+          </a:p>
+        </p:txBody>
+      </p:sp>
+    </p:spTree>
+    <p:extLst>
+      <p:ext uri="{BB962C8B-B14F-4D97-AF65-F5344CB8AC3E}">
+        <p14:creationId xmlns:p14="http://schemas.microsoft.com/office/powerpoint/2010/main" val="1233782941"/>
+      </p:ext>
+    </p:extLst>
+  </p:cSld>
+  <p:clrMapOvr>
+    <a:masterClrMapping/>
+  </p:clrMapOvr>
+</p:sld>
+</file>
+
+<file path=ppt/slides/slide16.xml><?xml version="1.0" encoding="utf-8"?>
+<p:sld xmlns:a="http://schemas.openxmlformats.org/drawingml/2006/main" xmlns:r="http://schemas.openxmlformats.org/officeDocument/2006/relationships" xmlns:p="http://schemas.openxmlformats.org/presentationml/2006/main">
+  <p:cSld>
+    <p:spTree>
+      <p:nvGrpSpPr>
+        <p:cNvPr id="1" name=""/>
+        <p:cNvGrpSpPr/>
+        <p:nvPr/>
+      </p:nvGrpSpPr>
+      <p:grpSpPr>
+        <a:xfrm>
+          <a:off x="0" y="0"/>
+          <a:ext cx="0" cy="0"/>
+          <a:chOff x="0" y="0"/>
+          <a:chExt cx="0" cy="0"/>
+        </a:xfrm>
+      </p:grpSpPr>
+      <p:sp>
+        <p:nvSpPr>
+          <p:cNvPr id="2" name="Title 1"/>
+          <p:cNvSpPr>
+            <a:spLocks noGrp="1"/>
+          </p:cNvSpPr>
+          <p:nvPr>
+            <p:ph type="title"/>
+          </p:nvPr>
+        </p:nvSpPr>
+        <p:spPr/>
+        <p:txBody>
+          <a:bodyPr/>
+          <a:lstStyle/>
+          <a:p>
+            <a:r>
+              <a:rPr lang="en-US" dirty="0"/>
               <a:t>Exploring R</a:t>
             </a:r>
           </a:p>
@@ -3981,6 +4614,133 @@
         </p:nvSpPr>
         <p:spPr>
           <a:xfrm>
+            <a:off x="6151878" y="1021578"/>
+            <a:ext cx="4581767" cy="369332"/>
+          </a:xfrm>
+          <a:prstGeom prst="rect">
+            <a:avLst/>
+          </a:prstGeom>
+          <a:noFill/>
+        </p:spPr>
+        <p:txBody>
+          <a:bodyPr wrap="none" rtlCol="0">
+            <a:spAutoFit/>
+          </a:bodyPr>
+          <a:lstStyle/>
+          <a:p>
+            <a:r>
+              <a:rPr lang="en-US" dirty="0">
+                <a:solidFill>
+                  <a:srgbClr val="FF0000"/>
+                </a:solidFill>
+              </a:rPr>
+              <a:t>R studio tells you what is currently </a:t>
+            </a:r>
+            <a:r>
+              <a:rPr lang="en-US">
+                <a:solidFill>
+                  <a:srgbClr val="FF0000"/>
+                </a:solidFill>
+              </a:rPr>
+              <a:t>loaded here</a:t>
+            </a:r>
+            <a:endParaRPr lang="en-US" dirty="0">
+              <a:solidFill>
+                <a:srgbClr val="FF0000"/>
+              </a:solidFill>
+            </a:endParaRPr>
+          </a:p>
+        </p:txBody>
+      </p:sp>
+    </p:spTree>
+    <p:extLst>
+      <p:ext uri="{BB962C8B-B14F-4D97-AF65-F5344CB8AC3E}">
+        <p14:creationId xmlns:p14="http://schemas.microsoft.com/office/powerpoint/2010/main" val="1181430228"/>
+      </p:ext>
+    </p:extLst>
+  </p:cSld>
+  <p:clrMapOvr>
+    <a:masterClrMapping/>
+  </p:clrMapOvr>
+</p:sld>
+</file>
+
+<file path=ppt/slides/slide17.xml><?xml version="1.0" encoding="utf-8"?>
+<p:sld xmlns:a="http://schemas.openxmlformats.org/drawingml/2006/main" xmlns:r="http://schemas.openxmlformats.org/officeDocument/2006/relationships" xmlns:p="http://schemas.openxmlformats.org/presentationml/2006/main">
+  <p:cSld>
+    <p:spTree>
+      <p:nvGrpSpPr>
+        <p:cNvPr id="1" name=""/>
+        <p:cNvGrpSpPr/>
+        <p:nvPr/>
+      </p:nvGrpSpPr>
+      <p:grpSpPr>
+        <a:xfrm>
+          <a:off x="0" y="0"/>
+          <a:ext cx="0" cy="0"/>
+          <a:chOff x="0" y="0"/>
+          <a:chExt cx="0" cy="0"/>
+        </a:xfrm>
+      </p:grpSpPr>
+      <p:sp>
+        <p:nvSpPr>
+          <p:cNvPr id="2" name="Title 1"/>
+          <p:cNvSpPr>
+            <a:spLocks noGrp="1"/>
+          </p:cNvSpPr>
+          <p:nvPr>
+            <p:ph type="title"/>
+          </p:nvPr>
+        </p:nvSpPr>
+        <p:spPr/>
+        <p:txBody>
+          <a:bodyPr/>
+          <a:lstStyle/>
+          <a:p>
+            <a:r>
+              <a:rPr lang="en-US" dirty="0"/>
+              <a:t>Exploring R</a:t>
+            </a:r>
+          </a:p>
+        </p:txBody>
+      </p:sp>
+      <p:pic>
+        <p:nvPicPr>
+          <p:cNvPr id="4" name="Content Placeholder 3"/>
+          <p:cNvPicPr>
+            <a:picLocks noGrp="1" noChangeAspect="1"/>
+          </p:cNvPicPr>
+          <p:nvPr>
+            <p:ph idx="1"/>
+          </p:nvPr>
+        </p:nvPicPr>
+        <p:blipFill>
+          <a:blip r:embed="rId2">
+            <a:extLst>
+              <a:ext uri="{28A0092B-C50C-407E-A947-70E740481C1C}">
+                <a14:useLocalDpi xmlns:a14="http://schemas.microsoft.com/office/drawing/2010/main" val="0"/>
+              </a:ext>
+            </a:extLst>
+          </a:blip>
+          <a:stretch>
+            <a:fillRect/>
+          </a:stretch>
+        </p:blipFill>
+        <p:spPr>
+          <a:xfrm>
+            <a:off x="1557108" y="1390910"/>
+            <a:ext cx="8711153" cy="5123093"/>
+          </a:xfrm>
+        </p:spPr>
+      </p:pic>
+      <p:sp>
+        <p:nvSpPr>
+          <p:cNvPr id="5" name="TextBox 4"/>
+          <p:cNvSpPr txBox="1"/>
+          <p:nvPr/>
+        </p:nvSpPr>
+        <p:spPr>
+          <a:xfrm>
             <a:off x="5626149" y="6494548"/>
             <a:ext cx="6396110" cy="369332"/>
           </a:xfrm>
@@ -4032,7 +4792,7 @@
 </p:sld>
 </file>
 
-<file path=ppt/slides/slide12.xml><?xml version="1.0" encoding="utf-8"?>
+<file path=ppt/slides/slide18.xml><?xml version="1.0" encoding="utf-8"?>
 <p:sld xmlns:a="http://schemas.openxmlformats.org/drawingml/2006/main" xmlns:r="http://schemas.openxmlformats.org/officeDocument/2006/relationships" xmlns:p="http://schemas.openxmlformats.org/presentationml/2006/main">
   <p:cSld>
     <p:spTree>
@@ -4144,7 +4904,7 @@
 </p:sld>
 </file>
 
-<file path=ppt/slides/slide13.xml><?xml version="1.0" encoding="utf-8"?>
+<file path=ppt/slides/slide19.xml><?xml version="1.0" encoding="utf-8"?>
 <p:sld xmlns:a="http://schemas.openxmlformats.org/drawingml/2006/main" xmlns:r="http://schemas.openxmlformats.org/officeDocument/2006/relationships" xmlns:p="http://schemas.openxmlformats.org/presentationml/2006/main">
   <p:cSld>
     <p:spTree>
@@ -4245,7 +5005,7 @@
 </p:sld>
 </file>
 
-<file path=ppt/slides/slide14.xml><?xml version="1.0" encoding="utf-8"?>
+<file path=ppt/slides/slide2.xml><?xml version="1.0" encoding="utf-8"?>
 <p:sld xmlns:a="http://schemas.openxmlformats.org/drawingml/2006/main" xmlns:r="http://schemas.openxmlformats.org/officeDocument/2006/relationships" xmlns:p="http://schemas.openxmlformats.org/presentationml/2006/main">
   <p:cSld>
     <p:spTree>
@@ -4279,7 +5039,7 @@
           <a:p>
             <a:r>
               <a:rPr lang="en-US" dirty="0"/>
-              <a:t>Objects in R</a:t>
+              <a:t>About me</a:t>
             </a:r>
           </a:p>
         </p:txBody>
@@ -4296,50 +5056,82 @@
         </p:nvSpPr>
         <p:spPr/>
         <p:txBody>
-          <a:bodyPr/>
-          <a:lstStyle/>
-          <a:p>
-            <a:r>
-              <a:rPr lang="en-US" dirty="0"/>
-              <a:t>R keeps track of a variety of objects and functions</a:t>
-            </a:r>
-          </a:p>
-          <a:p>
+          <a:bodyPr>
+            <a:normAutofit fontScale="85000" lnSpcReduction="20000"/>
+          </a:bodyPr>
+          <a:lstStyle/>
+          <a:p>
+            <a:r>
+              <a:rPr lang="en-US" dirty="0"/>
+              <a:t>Hi, I’m Kate, and I’m a </a:t>
+            </a:r>
+            <a:r>
+              <a:rPr lang="en-US" b="1" u="sng" dirty="0"/>
+              <a:t>biologist</a:t>
+            </a:r>
+            <a:r>
+              <a:rPr lang="en-US" dirty="0"/>
+              <a:t>. </a:t>
+            </a:r>
+          </a:p>
+          <a:p>
+            <a:pPr lvl="1"/>
             <a:endParaRPr lang="en-US" dirty="0"/>
           </a:p>
           <a:p>
-            <a:r>
-              <a:rPr lang="en-US" dirty="0"/>
-              <a:t>You can see all of your user-defined objects by typing objects() (the parentheses mean that you are calling a </a:t>
+            <a:pPr lvl="1"/>
+            <a:r>
+              <a:rPr lang="en-US" dirty="0"/>
+              <a:t>This is not a class in math or statistics, and there are better courses to find all the “why” details.</a:t>
+            </a:r>
+          </a:p>
+          <a:p>
+            <a:pPr lvl="1"/>
+            <a:endParaRPr lang="en-US" dirty="0"/>
+          </a:p>
+          <a:p>
+            <a:pPr lvl="1"/>
+            <a:r>
+              <a:rPr lang="en-US" dirty="0"/>
+              <a:t>This is a class to offer some applied skills that (I hope) will help students explore more complicated statistical and mathematical concepts, either independently or through more specialized coursework.</a:t>
+            </a:r>
+          </a:p>
+          <a:p>
+            <a:pPr lvl="1"/>
+            <a:endParaRPr lang="en-US" dirty="0"/>
+          </a:p>
+          <a:p>
+            <a:pPr lvl="1"/>
+            <a:r>
+              <a:rPr lang="en-US" dirty="0"/>
+              <a:t>The course focus is on actually </a:t>
             </a:r>
             <a:r>
               <a:rPr lang="en-US" i="1" dirty="0"/>
-              <a:t>function</a:t>
-            </a:r>
-            <a:r>
-              <a:rPr lang="en-US" dirty="0"/>
-              <a:t>; more on this later).</a:t>
-            </a:r>
-          </a:p>
-          <a:p>
+              <a:t>doing</a:t>
+            </a:r>
+            <a:r>
+              <a:rPr lang="en-US" dirty="0"/>
+              <a:t> stuff, particularly on how to do it in R. We aren’t going to spend a lot of time on the details of any particular type of model, but instead help to build the dichotomous tree of types of analyses one might use, and how to actually implement them in R.</a:t>
+            </a:r>
+          </a:p>
+          <a:p>
+            <a:pPr lvl="1"/>
             <a:endParaRPr lang="en-US" dirty="0"/>
           </a:p>
           <a:p>
-            <a:r>
-              <a:rPr lang="en-US" dirty="0"/>
-              <a:t>This should also be what is listed in the environment (top right)</a:t>
-            </a:r>
-            <a:br>
-              <a:rPr lang="en-US" dirty="0"/>
-            </a:br>
-            <a:endParaRPr lang="en-US" dirty="0"/>
+            <a:pPr lvl="1"/>
+            <a:r>
+              <a:rPr lang="en-US" dirty="0"/>
+              <a:t>The course will be organized in the way that one actually interfaces with their data, so for the first few weeks we will be mainly talking about data wrangling and visualization.</a:t>
+            </a:r>
           </a:p>
         </p:txBody>
       </p:sp>
     </p:spTree>
     <p:extLst>
       <p:ext uri="{BB962C8B-B14F-4D97-AF65-F5344CB8AC3E}">
-        <p14:creationId xmlns:p14="http://schemas.microsoft.com/office/powerpoint/2010/main" val="478854169"/>
+        <p14:creationId xmlns:p14="http://schemas.microsoft.com/office/powerpoint/2010/main" val="1083083176"/>
       </p:ext>
     </p:extLst>
   </p:cSld>
@@ -4349,7 +5141,7 @@
 </p:sld>
 </file>
 
-<file path=ppt/slides/slide15.xml><?xml version="1.0" encoding="utf-8"?>
+<file path=ppt/slides/slide20.xml><?xml version="1.0" encoding="utf-8"?>
 <p:sld xmlns:a="http://schemas.openxmlformats.org/drawingml/2006/main" xmlns:r="http://schemas.openxmlformats.org/officeDocument/2006/relationships" xmlns:p="http://schemas.openxmlformats.org/presentationml/2006/main">
   <p:cSld>
     <p:spTree>
@@ -4383,7 +5175,7 @@
           <a:p>
             <a:r>
               <a:rPr lang="en-US" dirty="0"/>
-              <a:t>Values</a:t>
+              <a:t>Objects in R</a:t>
             </a:r>
           </a:p>
         </p:txBody>
@@ -4400,14 +5192,12 @@
         </p:nvSpPr>
         <p:spPr/>
         <p:txBody>
-          <a:bodyPr>
-            <a:normAutofit lnSpcReduction="10000"/>
-          </a:bodyPr>
-          <a:lstStyle/>
-          <a:p>
-            <a:r>
-              <a:rPr lang="en-US" dirty="0"/>
-              <a:t>In addition to numbers, R has other kinds of values (also known as “atomic types”). </a:t>
+          <a:bodyPr/>
+          <a:lstStyle/>
+          <a:p>
+            <a:r>
+              <a:rPr lang="en-US" dirty="0"/>
+              <a:t>R keeps track of a variety of objects and functions</a:t>
             </a:r>
           </a:p>
           <a:p>
@@ -4416,134 +5206,28 @@
           <a:p>
             <a:r>
               <a:rPr lang="en-US" dirty="0"/>
-              <a:t>The main ones we’re interested in are  </a:t>
-            </a:r>
-            <a:r>
-              <a:rPr lang="en-US" dirty="0">
-                <a:latin typeface="Lucida Console" charset="0"/>
-                <a:ea typeface="Lucida Console" charset="0"/>
-                <a:cs typeface="Lucida Console" charset="0"/>
-              </a:rPr>
-              <a:t>character, numeric, factor </a:t>
-            </a:r>
-            <a:r>
-              <a:rPr lang="en-US" dirty="0"/>
-              <a:t>and </a:t>
-            </a:r>
-            <a:r>
-              <a:rPr lang="en-US" dirty="0">
-                <a:latin typeface="Lucida Console" charset="0"/>
-                <a:ea typeface="Lucida Console" charset="0"/>
-                <a:cs typeface="Lucida Console" charset="0"/>
-              </a:rPr>
-              <a:t>logical</a:t>
-            </a:r>
-            <a:r>
-              <a:rPr lang="en-US" dirty="0"/>
-              <a:t> (</a:t>
-            </a:r>
-            <a:r>
-              <a:rPr lang="en-US" dirty="0" err="1"/>
-              <a:t>ie</a:t>
-            </a:r>
-            <a:r>
-              <a:rPr lang="en-US" dirty="0"/>
-              <a:t>., TRUE or FALSE). </a:t>
-            </a:r>
-            <a:r>
-              <a:rPr lang="en-US" dirty="0" err="1">
-                <a:latin typeface="Lucida Console" charset="0"/>
-                <a:ea typeface="Lucida Console" charset="0"/>
-                <a:cs typeface="Lucida Console" charset="0"/>
-              </a:rPr>
-              <a:t>str</a:t>
-            </a:r>
-            <a:r>
-              <a:rPr lang="en-US" dirty="0">
-                <a:latin typeface="Lucida Console" charset="0"/>
-                <a:ea typeface="Lucida Console" charset="0"/>
-                <a:cs typeface="Lucida Console" charset="0"/>
-              </a:rPr>
-              <a:t>()</a:t>
-            </a:r>
-            <a:r>
-              <a:rPr lang="en-US" dirty="0"/>
-              <a:t> is one way to try to figure out what your R object is.</a:t>
-            </a:r>
-          </a:p>
-          <a:p>
-            <a:pPr lvl="1"/>
-            <a:r>
-              <a:rPr lang="en-US" dirty="0" err="1"/>
-              <a:t>Eg</a:t>
-            </a:r>
-            <a:r>
-              <a:rPr lang="en-US" dirty="0"/>
-              <a:t>. </a:t>
-            </a:r>
-            <a:r>
-              <a:rPr lang="en-US" dirty="0" err="1">
-                <a:latin typeface="Lucida Console" charset="0"/>
-                <a:ea typeface="Lucida Console" charset="0"/>
-                <a:cs typeface="Lucida Console" charset="0"/>
-              </a:rPr>
-              <a:t>str</a:t>
-            </a:r>
-            <a:r>
-              <a:rPr lang="en-US" dirty="0">
-                <a:latin typeface="Lucida Console" charset="0"/>
-                <a:ea typeface="Lucida Console" charset="0"/>
-                <a:cs typeface="Lucida Console" charset="0"/>
-              </a:rPr>
-              <a:t>(x)</a:t>
-            </a:r>
-          </a:p>
-          <a:p>
-            <a:pPr lvl="1"/>
-            <a:endParaRPr lang="en-US" dirty="0">
-              <a:latin typeface="Lucida Console" charset="0"/>
-              <a:ea typeface="Lucida Console" charset="0"/>
-              <a:cs typeface="Lucida Console" charset="0"/>
-            </a:endParaRPr>
-          </a:p>
-          <a:p>
-            <a:r>
-              <a:rPr lang="en-US" dirty="0">
-                <a:ea typeface="Lucida Console" charset="0"/>
-                <a:cs typeface="Lucida Console" charset="0"/>
-              </a:rPr>
-              <a:t>When you read in data, R automatically assigns your field a value type. Sometimes, this value type is wrong. You can often convert among data types with </a:t>
-            </a:r>
-            <a:r>
-              <a:rPr lang="en-US" dirty="0" err="1">
-                <a:ea typeface="Lucida Console" charset="0"/>
-                <a:cs typeface="Lucida Console" charset="0"/>
-              </a:rPr>
-              <a:t>new.x</a:t>
-            </a:r>
-            <a:r>
-              <a:rPr lang="en-US" dirty="0">
-                <a:ea typeface="Lucida Console" charset="0"/>
-                <a:cs typeface="Lucida Console" charset="0"/>
-              </a:rPr>
-              <a:t> &lt;- </a:t>
-            </a:r>
-            <a:r>
-              <a:rPr lang="en-US" dirty="0" err="1">
-                <a:ea typeface="Lucida Console" charset="0"/>
-                <a:cs typeface="Lucida Console" charset="0"/>
-              </a:rPr>
-              <a:t>as.numeric</a:t>
-            </a:r>
-            <a:r>
-              <a:rPr lang="en-US" dirty="0">
-                <a:ea typeface="Lucida Console" charset="0"/>
-                <a:cs typeface="Lucida Console" charset="0"/>
-              </a:rPr>
-              <a:t>(x) but BE CAREFUL!</a:t>
-            </a:r>
-          </a:p>
-          <a:p>
+              <a:t>You can see all of your user-defined objects by typing objects() (the parentheses mean that you are calling a </a:t>
+            </a:r>
+            <a:r>
+              <a:rPr lang="en-US" i="1" dirty="0"/>
+              <a:t>function</a:t>
+            </a:r>
+            <a:r>
+              <a:rPr lang="en-US" dirty="0"/>
+              <a:t>; more on this later).</a:t>
+            </a:r>
+          </a:p>
+          <a:p>
+            <a:endParaRPr lang="en-US" dirty="0"/>
+          </a:p>
+          <a:p>
+            <a:r>
+              <a:rPr lang="en-US" dirty="0"/>
+              <a:t>This should also be what is listed in the environment (top right)</a:t>
+            </a:r>
+            <a:br>
+              <a:rPr lang="en-US" dirty="0"/>
+            </a:br>
             <a:endParaRPr lang="en-US" dirty="0"/>
           </a:p>
         </p:txBody>
@@ -4551,7 +5235,7 @@
     </p:spTree>
     <p:extLst>
       <p:ext uri="{BB962C8B-B14F-4D97-AF65-F5344CB8AC3E}">
-        <p14:creationId xmlns:p14="http://schemas.microsoft.com/office/powerpoint/2010/main" val="1849731894"/>
+        <p14:creationId xmlns:p14="http://schemas.microsoft.com/office/powerpoint/2010/main" val="478854169"/>
       </p:ext>
     </p:extLst>
   </p:cSld>
@@ -4561,7 +5245,7 @@
 </p:sld>
 </file>
 
-<file path=ppt/slides/slide16.xml><?xml version="1.0" encoding="utf-8"?>
+<file path=ppt/slides/slide21.xml><?xml version="1.0" encoding="utf-8"?>
 <p:sld xmlns:a="http://schemas.openxmlformats.org/drawingml/2006/main" xmlns:r="http://schemas.openxmlformats.org/officeDocument/2006/relationships" xmlns:p="http://schemas.openxmlformats.org/presentationml/2006/main">
   <p:cSld>
     <p:spTree>
@@ -4595,6 +5279,218 @@
           <a:p>
             <a:r>
               <a:rPr lang="en-US" dirty="0"/>
+              <a:t>Values</a:t>
+            </a:r>
+          </a:p>
+        </p:txBody>
+      </p:sp>
+      <p:sp>
+        <p:nvSpPr>
+          <p:cNvPr id="3" name="Content Placeholder 2"/>
+          <p:cNvSpPr>
+            <a:spLocks noGrp="1"/>
+          </p:cNvSpPr>
+          <p:nvPr>
+            <p:ph idx="1"/>
+          </p:nvPr>
+        </p:nvSpPr>
+        <p:spPr/>
+        <p:txBody>
+          <a:bodyPr>
+            <a:normAutofit lnSpcReduction="10000"/>
+          </a:bodyPr>
+          <a:lstStyle/>
+          <a:p>
+            <a:r>
+              <a:rPr lang="en-US" dirty="0"/>
+              <a:t>In addition to numbers, R has other kinds of values (also known as “atomic types”). </a:t>
+            </a:r>
+          </a:p>
+          <a:p>
+            <a:endParaRPr lang="en-US" dirty="0"/>
+          </a:p>
+          <a:p>
+            <a:r>
+              <a:rPr lang="en-US" dirty="0"/>
+              <a:t>The main ones we’re interested in are  </a:t>
+            </a:r>
+            <a:r>
+              <a:rPr lang="en-US" dirty="0">
+                <a:latin typeface="Lucida Console" charset="0"/>
+                <a:ea typeface="Lucida Console" charset="0"/>
+                <a:cs typeface="Lucida Console" charset="0"/>
+              </a:rPr>
+              <a:t>character, numeric, factor </a:t>
+            </a:r>
+            <a:r>
+              <a:rPr lang="en-US" dirty="0"/>
+              <a:t>and </a:t>
+            </a:r>
+            <a:r>
+              <a:rPr lang="en-US" dirty="0">
+                <a:latin typeface="Lucida Console" charset="0"/>
+                <a:ea typeface="Lucida Console" charset="0"/>
+                <a:cs typeface="Lucida Console" charset="0"/>
+              </a:rPr>
+              <a:t>logical</a:t>
+            </a:r>
+            <a:r>
+              <a:rPr lang="en-US" dirty="0"/>
+              <a:t> (</a:t>
+            </a:r>
+            <a:r>
+              <a:rPr lang="en-US" dirty="0" err="1"/>
+              <a:t>ie</a:t>
+            </a:r>
+            <a:r>
+              <a:rPr lang="en-US" dirty="0"/>
+              <a:t>., TRUE or FALSE). </a:t>
+            </a:r>
+            <a:r>
+              <a:rPr lang="en-US" dirty="0" err="1">
+                <a:latin typeface="Lucida Console" charset="0"/>
+                <a:ea typeface="Lucida Console" charset="0"/>
+                <a:cs typeface="Lucida Console" charset="0"/>
+              </a:rPr>
+              <a:t>str</a:t>
+            </a:r>
+            <a:r>
+              <a:rPr lang="en-US" dirty="0">
+                <a:latin typeface="Lucida Console" charset="0"/>
+                <a:ea typeface="Lucida Console" charset="0"/>
+                <a:cs typeface="Lucida Console" charset="0"/>
+              </a:rPr>
+              <a:t>()</a:t>
+            </a:r>
+            <a:r>
+              <a:rPr lang="en-US" dirty="0"/>
+              <a:t> is one way to try to figure out what your R object is.</a:t>
+            </a:r>
+          </a:p>
+          <a:p>
+            <a:pPr lvl="1"/>
+            <a:r>
+              <a:rPr lang="en-US" dirty="0" err="1"/>
+              <a:t>Eg</a:t>
+            </a:r>
+            <a:r>
+              <a:rPr lang="en-US" dirty="0"/>
+              <a:t>. </a:t>
+            </a:r>
+            <a:r>
+              <a:rPr lang="en-US" dirty="0" err="1">
+                <a:latin typeface="Lucida Console" charset="0"/>
+                <a:ea typeface="Lucida Console" charset="0"/>
+                <a:cs typeface="Lucida Console" charset="0"/>
+              </a:rPr>
+              <a:t>str</a:t>
+            </a:r>
+            <a:r>
+              <a:rPr lang="en-US" dirty="0">
+                <a:latin typeface="Lucida Console" charset="0"/>
+                <a:ea typeface="Lucida Console" charset="0"/>
+                <a:cs typeface="Lucida Console" charset="0"/>
+              </a:rPr>
+              <a:t>(x)</a:t>
+            </a:r>
+          </a:p>
+          <a:p>
+            <a:pPr lvl="1"/>
+            <a:endParaRPr lang="en-US" dirty="0">
+              <a:latin typeface="Lucida Console" charset="0"/>
+              <a:ea typeface="Lucida Console" charset="0"/>
+              <a:cs typeface="Lucida Console" charset="0"/>
+            </a:endParaRPr>
+          </a:p>
+          <a:p>
+            <a:r>
+              <a:rPr lang="en-US" dirty="0">
+                <a:ea typeface="Lucida Console" charset="0"/>
+                <a:cs typeface="Lucida Console" charset="0"/>
+              </a:rPr>
+              <a:t>When you read in data, R automatically assigns your field a value type. Sometimes, this value type is wrong. You can often convert among data types with </a:t>
+            </a:r>
+            <a:r>
+              <a:rPr lang="en-US" dirty="0" err="1">
+                <a:ea typeface="Lucida Console" charset="0"/>
+                <a:cs typeface="Lucida Console" charset="0"/>
+              </a:rPr>
+              <a:t>new.x</a:t>
+            </a:r>
+            <a:r>
+              <a:rPr lang="en-US" dirty="0">
+                <a:ea typeface="Lucida Console" charset="0"/>
+                <a:cs typeface="Lucida Console" charset="0"/>
+              </a:rPr>
+              <a:t> &lt;- </a:t>
+            </a:r>
+            <a:r>
+              <a:rPr lang="en-US" dirty="0" err="1">
+                <a:ea typeface="Lucida Console" charset="0"/>
+                <a:cs typeface="Lucida Console" charset="0"/>
+              </a:rPr>
+              <a:t>as.numeric</a:t>
+            </a:r>
+            <a:r>
+              <a:rPr lang="en-US" dirty="0">
+                <a:ea typeface="Lucida Console" charset="0"/>
+                <a:cs typeface="Lucida Console" charset="0"/>
+              </a:rPr>
+              <a:t>(x) but BE CAREFUL!</a:t>
+            </a:r>
+          </a:p>
+          <a:p>
+            <a:endParaRPr lang="en-US" dirty="0"/>
+          </a:p>
+        </p:txBody>
+      </p:sp>
+    </p:spTree>
+    <p:extLst>
+      <p:ext uri="{BB962C8B-B14F-4D97-AF65-F5344CB8AC3E}">
+        <p14:creationId xmlns:p14="http://schemas.microsoft.com/office/powerpoint/2010/main" val="1849731894"/>
+      </p:ext>
+    </p:extLst>
+  </p:cSld>
+  <p:clrMapOvr>
+    <a:masterClrMapping/>
+  </p:clrMapOvr>
+</p:sld>
+</file>
+
+<file path=ppt/slides/slide22.xml><?xml version="1.0" encoding="utf-8"?>
+<p:sld xmlns:a="http://schemas.openxmlformats.org/drawingml/2006/main" xmlns:r="http://schemas.openxmlformats.org/officeDocument/2006/relationships" xmlns:p="http://schemas.openxmlformats.org/presentationml/2006/main">
+  <p:cSld>
+    <p:spTree>
+      <p:nvGrpSpPr>
+        <p:cNvPr id="1" name=""/>
+        <p:cNvGrpSpPr/>
+        <p:nvPr/>
+      </p:nvGrpSpPr>
+      <p:grpSpPr>
+        <a:xfrm>
+          <a:off x="0" y="0"/>
+          <a:ext cx="0" cy="0"/>
+          <a:chOff x="0" y="0"/>
+          <a:chExt cx="0" cy="0"/>
+        </a:xfrm>
+      </p:grpSpPr>
+      <p:sp>
+        <p:nvSpPr>
+          <p:cNvPr id="2" name="Title 1"/>
+          <p:cNvSpPr>
+            <a:spLocks noGrp="1"/>
+          </p:cNvSpPr>
+          <p:nvPr>
+            <p:ph type="title"/>
+          </p:nvPr>
+        </p:nvSpPr>
+        <p:spPr/>
+        <p:txBody>
+          <a:bodyPr/>
+          <a:lstStyle/>
+          <a:p>
+            <a:r>
+              <a:rPr lang="en-US" dirty="0"/>
               <a:t>Factors</a:t>
             </a:r>
           </a:p>
@@ -4670,7 +5566,7 @@
 </p:sld>
 </file>
 
-<file path=ppt/slides/slide17.xml><?xml version="1.0" encoding="utf-8"?>
+<file path=ppt/slides/slide23.xml><?xml version="1.0" encoding="utf-8"?>
 <p:sld xmlns:a="http://schemas.openxmlformats.org/drawingml/2006/main" xmlns:r="http://schemas.openxmlformats.org/officeDocument/2006/relationships" xmlns:p="http://schemas.openxmlformats.org/presentationml/2006/main">
   <p:cSld>
     <p:spTree>
@@ -4812,7 +5708,7 @@
 </p:sld>
 </file>
 
-<file path=ppt/slides/slide18.xml><?xml version="1.0" encoding="utf-8"?>
+<file path=ppt/slides/slide24.xml><?xml version="1.0" encoding="utf-8"?>
 <p:sld xmlns:a="http://schemas.openxmlformats.org/drawingml/2006/main" xmlns:r="http://schemas.openxmlformats.org/officeDocument/2006/relationships" xmlns:p="http://schemas.openxmlformats.org/presentationml/2006/main">
   <p:cSld>
     <p:spTree>
@@ -4924,7 +5820,7 @@
 </p:sld>
 </file>
 
-<file path=ppt/slides/slide19.xml><?xml version="1.0" encoding="utf-8"?>
+<file path=ppt/slides/slide25.xml><?xml version="1.0" encoding="utf-8"?>
 <p:sld xmlns:a="http://schemas.openxmlformats.org/drawingml/2006/main" xmlns:r="http://schemas.openxmlformats.org/officeDocument/2006/relationships" xmlns:p="http://schemas.openxmlformats.org/presentationml/2006/main">
   <p:cSld>
     <p:spTree>
@@ -5025,7 +5921,7 @@
 </p:sld>
 </file>
 
-<file path=ppt/slides/slide2.xml><?xml version="1.0" encoding="utf-8"?>
+<file path=ppt/slides/slide26.xml><?xml version="1.0" encoding="utf-8"?>
 <p:sld xmlns:a="http://schemas.openxmlformats.org/drawingml/2006/main" xmlns:r="http://schemas.openxmlformats.org/officeDocument/2006/relationships" xmlns:p="http://schemas.openxmlformats.org/presentationml/2006/main">
   <p:cSld>
     <p:spTree>
@@ -5059,7 +5955,7 @@
           <a:p>
             <a:r>
               <a:rPr lang="en-US" dirty="0"/>
-              <a:t>About me</a:t>
+              <a:t>Functions</a:t>
             </a:r>
           </a:p>
         </p:txBody>
@@ -5083,67 +5979,50 @@
           <a:p>
             <a:r>
               <a:rPr lang="en-US" dirty="0"/>
-              <a:t>Hi, I’m Kate, and I’m a </a:t>
-            </a:r>
-            <a:r>
-              <a:rPr lang="en-US" b="1" u="sng" dirty="0"/>
-              <a:t>biologist</a:t>
-            </a:r>
-            <a:r>
-              <a:rPr lang="en-US" dirty="0"/>
-              <a:t>. </a:t>
-            </a:r>
-          </a:p>
-          <a:p>
-            <a:pPr lvl="1"/>
+              <a:t>Functions are “called” using parentheses. A function is a set of commands that uses whatever “arguments” are inside the parentheses and does things (including possibly “returning” a result).</a:t>
+            </a:r>
+          </a:p>
+          <a:p>
             <a:endParaRPr lang="en-US" dirty="0"/>
           </a:p>
           <a:p>
-            <a:pPr lvl="1"/>
-            <a:r>
-              <a:rPr lang="en-US" dirty="0"/>
-              <a:t>This is not a class in math or statistics, and there are better courses to find all the “why” details.</a:t>
-            </a:r>
-          </a:p>
-          <a:p>
-            <a:pPr lvl="1"/>
+            <a:r>
+              <a:rPr lang="en-US" dirty="0"/>
+              <a:t>Functions (often written by others) are the fundamental backbone of the R environment. They will let us </a:t>
+            </a:r>
+            <a:r>
+              <a:rPr lang="en-US" i="1" dirty="0"/>
+              <a:t>do</a:t>
+            </a:r>
+            <a:r>
+              <a:rPr lang="en-US" dirty="0"/>
+              <a:t> most of the things we want to in R. </a:t>
+            </a:r>
+          </a:p>
+          <a:p>
             <a:endParaRPr lang="en-US" dirty="0"/>
           </a:p>
           <a:p>
-            <a:pPr lvl="1"/>
-            <a:r>
-              <a:rPr lang="en-US" dirty="0"/>
-              <a:t>This is a class to offer some applied skills that (I hope) will help students explore more complicated statistical and mathematical concepts, either independently or through more specialized coursework.</a:t>
-            </a:r>
-          </a:p>
-          <a:p>
-            <a:pPr lvl="1"/>
+            <a:r>
+              <a:rPr lang="en-US" dirty="0"/>
+              <a:t>Many functions are part of the base environment </a:t>
+            </a:r>
+            <a:r>
+              <a:rPr lang="mr-IN" dirty="0"/>
+              <a:t>–</a:t>
+            </a:r>
+            <a:r>
+              <a:rPr lang="en-US" dirty="0"/>
+              <a:t> e.g. they come pre-installed with R</a:t>
+            </a:r>
+          </a:p>
+          <a:p>
             <a:endParaRPr lang="en-US" dirty="0"/>
           </a:p>
           <a:p>
-            <a:pPr lvl="1"/>
-            <a:r>
-              <a:rPr lang="en-US" dirty="0"/>
-              <a:t>The course focus is on actually </a:t>
-            </a:r>
-            <a:r>
-              <a:rPr lang="en-US" i="1" dirty="0"/>
-              <a:t>doing</a:t>
-            </a:r>
-            <a:r>
-              <a:rPr lang="en-US" dirty="0"/>
-              <a:t> stuff, particularly on how to do it in R. We aren’t going to spend a lot of time on the details of any particular type of model, but instead help to build the dichotomous tree of types of analyses one might use, and how to actually implement them in R.</a:t>
-            </a:r>
-          </a:p>
-          <a:p>
-            <a:pPr lvl="1"/>
-            <a:endParaRPr lang="en-US" dirty="0"/>
-          </a:p>
-          <a:p>
-            <a:pPr lvl="1"/>
-            <a:r>
-              <a:rPr lang="en-US" dirty="0"/>
-              <a:t>The course will be organized in the way that one actually interfaces with their data, so for the first few weeks we will be mainly talking about data wrangling and visualization.</a:t>
+            <a:r>
+              <a:rPr lang="en-US" dirty="0"/>
+              <a:t>Others are part of packages that are installed separately. Some of these packages are particularly useful for ecologists, and we will be using these instead of the base R packages (e.g. ggplot2 instead of plot).</a:t>
             </a:r>
           </a:p>
         </p:txBody>
@@ -5151,7 +6030,7 @@
     </p:spTree>
     <p:extLst>
       <p:ext uri="{BB962C8B-B14F-4D97-AF65-F5344CB8AC3E}">
-        <p14:creationId xmlns:p14="http://schemas.microsoft.com/office/powerpoint/2010/main" val="1083083176"/>
+        <p14:creationId xmlns:p14="http://schemas.microsoft.com/office/powerpoint/2010/main" val="1641100206"/>
       </p:ext>
     </p:extLst>
   </p:cSld>
@@ -5161,7 +6040,7 @@
 </p:sld>
 </file>
 
-<file path=ppt/slides/slide20.xml><?xml version="1.0" encoding="utf-8"?>
+<file path=ppt/slides/slide27.xml><?xml version="1.0" encoding="utf-8"?>
 <p:sld xmlns:a="http://schemas.openxmlformats.org/drawingml/2006/main" xmlns:r="http://schemas.openxmlformats.org/officeDocument/2006/relationships" xmlns:p="http://schemas.openxmlformats.org/presentationml/2006/main">
   <p:cSld>
     <p:spTree>
@@ -5195,7 +6074,7 @@
           <a:p>
             <a:r>
               <a:rPr lang="en-US" dirty="0"/>
-              <a:t>Functions</a:t>
+              <a:t>Function examples</a:t>
             </a:r>
           </a:p>
         </p:txBody>
@@ -5212,65 +6091,23 @@
         </p:nvSpPr>
         <p:spPr/>
         <p:txBody>
-          <a:bodyPr>
-            <a:normAutofit fontScale="85000" lnSpcReduction="20000"/>
-          </a:bodyPr>
-          <a:lstStyle/>
-          <a:p>
-            <a:r>
-              <a:rPr lang="en-US" dirty="0"/>
-              <a:t>Functions are “called” using parentheses. A function is a set of commands that uses whatever “arguments” are inside the parentheses and does things (including possibly “returning” a result).</a:t>
+          <a:bodyPr/>
+          <a:lstStyle/>
+          <a:p>
+            <a:r>
+              <a:rPr lang="en-US" dirty="0"/>
+              <a:t>Example: mean() in its simplest form takes a vector argument and returns the mean.</a:t>
             </a:r>
           </a:p>
           <a:p>
             <a:endParaRPr lang="en-US" dirty="0"/>
-          </a:p>
-          <a:p>
-            <a:r>
-              <a:rPr lang="en-US" dirty="0"/>
-              <a:t>Functions (often written by others) are the fundamental backbone of the R environment. They will us </a:t>
-            </a:r>
-            <a:r>
-              <a:rPr lang="en-US" i="1" dirty="0"/>
-              <a:t>do</a:t>
-            </a:r>
-            <a:r>
-              <a:rPr lang="en-US" dirty="0"/>
-              <a:t> most of the things we want to in R. </a:t>
-            </a:r>
-          </a:p>
-          <a:p>
-            <a:endParaRPr lang="en-US" dirty="0"/>
-          </a:p>
-          <a:p>
-            <a:r>
-              <a:rPr lang="en-US" dirty="0"/>
-              <a:t>Many functions are part of the base environment </a:t>
-            </a:r>
-            <a:r>
-              <a:rPr lang="mr-IN" dirty="0"/>
-              <a:t>–</a:t>
-            </a:r>
-            <a:r>
-              <a:rPr lang="en-US" dirty="0"/>
-              <a:t> e.g. they come pre-installed with R</a:t>
-            </a:r>
-          </a:p>
-          <a:p>
-            <a:endParaRPr lang="en-US" dirty="0"/>
-          </a:p>
-          <a:p>
-            <a:r>
-              <a:rPr lang="en-US" dirty="0"/>
-              <a:t>Others are part of packages that are installed separately. Some of these packages are particularly useful for ecologists, and we will be using these instead of the base R packages (e.g. ggplot2 instead of plot).</a:t>
-            </a:r>
           </a:p>
         </p:txBody>
       </p:sp>
     </p:spTree>
     <p:extLst>
       <p:ext uri="{BB962C8B-B14F-4D97-AF65-F5344CB8AC3E}">
-        <p14:creationId xmlns:p14="http://schemas.microsoft.com/office/powerpoint/2010/main" val="1641100206"/>
+        <p14:creationId xmlns:p14="http://schemas.microsoft.com/office/powerpoint/2010/main" val="1024060587"/>
       </p:ext>
     </p:extLst>
   </p:cSld>
@@ -5280,7 +6117,7 @@
 </p:sld>
 </file>
 
-<file path=ppt/slides/slide21.xml><?xml version="1.0" encoding="utf-8"?>
+<file path=ppt/slides/slide28.xml><?xml version="1.0" encoding="utf-8"?>
 <p:sld xmlns:a="http://schemas.openxmlformats.org/drawingml/2006/main" xmlns:r="http://schemas.openxmlformats.org/officeDocument/2006/relationships" xmlns:p="http://schemas.openxmlformats.org/presentationml/2006/main">
   <p:cSld>
     <p:spTree>
@@ -5314,7 +6151,7 @@
           <a:p>
             <a:r>
               <a:rPr lang="en-US" dirty="0"/>
-              <a:t>Function examples</a:t>
+              <a:t>Getting help on functions</a:t>
             </a:r>
           </a:p>
         </p:txBody>
@@ -5331,13 +6168,71 @@
         </p:nvSpPr>
         <p:spPr/>
         <p:txBody>
-          <a:bodyPr/>
-          <a:lstStyle/>
-          <a:p>
-            <a:r>
-              <a:rPr lang="en-US" dirty="0"/>
-              <a:t>Example: mean() in its simplest form takes a vector argument and returns the mean.</a:t>
-            </a:r>
+          <a:bodyPr>
+            <a:normAutofit fontScale="92500" lnSpcReduction="10000"/>
+          </a:bodyPr>
+          <a:lstStyle/>
+          <a:p>
+            <a:r>
+              <a:rPr lang="en-US" dirty="0"/>
+              <a:t>You can learn about any built-in function by using R’s help: </a:t>
+            </a:r>
+          </a:p>
+          <a:p>
+            <a:pPr lvl="1"/>
+            <a:r>
+              <a:rPr lang="en-US" dirty="0"/>
+              <a:t>type ?"mean" or help("mean").</a:t>
+            </a:r>
+          </a:p>
+          <a:p>
+            <a:pPr lvl="1"/>
+            <a:r>
+              <a:rPr lang="en-US" dirty="0"/>
+              <a:t>Arguments can be passed to functions in order, or by using names. For example, mean takes an optional argument trim.</a:t>
+            </a:r>
+          </a:p>
+          <a:p>
+            <a:pPr lvl="1"/>
+            <a:endParaRPr lang="en-US" dirty="0"/>
+          </a:p>
+          <a:p>
+            <a:r>
+              <a:rPr lang="en-US" dirty="0"/>
+              <a:t>A major complaint about R is that help pages can be indecipherable, especially for beginners. </a:t>
+            </a:r>
+          </a:p>
+          <a:p>
+            <a:endParaRPr lang="en-US" dirty="0"/>
+          </a:p>
+          <a:p>
+            <a:r>
+              <a:rPr lang="en-US" dirty="0"/>
+              <a:t>Quick-R often has more helpful information when you are just starting:</a:t>
+            </a:r>
+          </a:p>
+          <a:p>
+            <a:r>
+              <a:rPr lang="en-US" dirty="0">
+                <a:hlinkClick r:id="rId2"/>
+              </a:rPr>
+              <a:t>https://www.statmethods.net/index.html</a:t>
+            </a:r>
+            <a:endParaRPr lang="en-US" dirty="0"/>
+          </a:p>
+          <a:p>
+            <a:r>
+              <a:rPr lang="en-US" dirty="0"/>
+              <a:t>(</a:t>
+            </a:r>
+            <a:r>
+              <a:rPr lang="en-US" i="1" dirty="0"/>
+              <a:t>switch to console)</a:t>
+            </a:r>
+            <a:endParaRPr lang="en-US" dirty="0"/>
+          </a:p>
+          <a:p>
+            <a:endParaRPr lang="en-US" dirty="0"/>
           </a:p>
           <a:p>
             <a:endParaRPr lang="en-US" dirty="0"/>
@@ -5347,7 +6242,7 @@
     </p:spTree>
     <p:extLst>
       <p:ext uri="{BB962C8B-B14F-4D97-AF65-F5344CB8AC3E}">
-        <p14:creationId xmlns:p14="http://schemas.microsoft.com/office/powerpoint/2010/main" val="1024060587"/>
+        <p14:creationId xmlns:p14="http://schemas.microsoft.com/office/powerpoint/2010/main" val="2059472006"/>
       </p:ext>
     </p:extLst>
   </p:cSld>
@@ -5357,7 +6252,7 @@
 </p:sld>
 </file>
 
-<file path=ppt/slides/slide22.xml><?xml version="1.0" encoding="utf-8"?>
+<file path=ppt/slides/slide29.xml><?xml version="1.0" encoding="utf-8"?>
 <p:sld xmlns:a="http://schemas.openxmlformats.org/drawingml/2006/main" xmlns:r="http://schemas.openxmlformats.org/officeDocument/2006/relationships" xmlns:p="http://schemas.openxmlformats.org/presentationml/2006/main">
   <p:cSld>
     <p:spTree>
@@ -5391,7 +6286,7 @@
           <a:p>
             <a:r>
               <a:rPr lang="en-US" dirty="0"/>
-              <a:t>Getting help on functions</a:t>
+              <a:t>Variable names</a:t>
             </a:r>
           </a:p>
         </p:txBody>
@@ -5415,63 +6310,69 @@
           <a:p>
             <a:r>
               <a:rPr lang="en-US" dirty="0"/>
-              <a:t>You can learn about any built-in function by using R’s help: </a:t>
-            </a:r>
-          </a:p>
-          <a:p>
-            <a:pPr lvl="1"/>
-            <a:r>
-              <a:rPr lang="en-US" dirty="0"/>
-              <a:t>type ?"mean" or help("mean").</a:t>
-            </a:r>
-          </a:p>
-          <a:p>
-            <a:pPr lvl="1"/>
-            <a:r>
-              <a:rPr lang="en-US" dirty="0"/>
-              <a:t>Arguments can be passed to functions in order, or by using names. For example, mean takes an optional argument trim.</a:t>
-            </a:r>
-          </a:p>
-          <a:p>
-            <a:pPr lvl="1"/>
+              <a:t>R variable names are case-sensitive. This means that m and M are different variables. In general, you should not try to take advantage of this, because it may cause confusion.</a:t>
+            </a:r>
+          </a:p>
+          <a:p>
+            <a:r>
+              <a:rPr lang="en-US" dirty="0"/>
+              <a:t>R variable names have to start with a letter, and certain characters (particularly space characters) are not allowed. Good naming conventions include:</a:t>
+            </a:r>
+          </a:p>
+          <a:p>
+            <a:r>
+              <a:rPr lang="en-US" dirty="0"/>
+              <a:t>Using mostly letters, underscores (_) and dots (.)</a:t>
+            </a:r>
+          </a:p>
+          <a:p>
+            <a:r>
+              <a:rPr lang="en-US" dirty="0"/>
+              <a:t>Not using potentially confusing names like l or O.</a:t>
+            </a:r>
+          </a:p>
+          <a:p>
+            <a:r>
+              <a:rPr lang="en-US" dirty="0"/>
+              <a:t>Not using built-in names (like c, list, or data) for variables.</a:t>
+            </a:r>
+          </a:p>
+          <a:p>
+            <a:r>
+              <a:rPr lang="en-US" dirty="0"/>
+              <a:t>Make readable variable names using </a:t>
+            </a:r>
+            <a:r>
+              <a:rPr lang="en-US" dirty="0" err="1"/>
+              <a:t>camelCase</a:t>
+            </a:r>
+            <a:r>
+              <a:rPr lang="en-US" dirty="0"/>
+              <a:t>, </a:t>
+            </a:r>
+            <a:r>
+              <a:rPr lang="en-US" dirty="0" err="1"/>
+              <a:t>snake_case</a:t>
+            </a:r>
+            <a:r>
+              <a:rPr lang="en-US" dirty="0"/>
+              <a:t>, or </a:t>
+            </a:r>
+            <a:r>
+              <a:rPr lang="en-US" dirty="0" err="1"/>
+              <a:t>kebab.case</a:t>
+            </a:r>
             <a:endParaRPr lang="en-US" dirty="0"/>
           </a:p>
           <a:p>
             <a:r>
               <a:rPr lang="en-US" dirty="0"/>
-              <a:t>A major complaint about R is that help pages can be indecipherable, especially for beginners. </a:t>
-            </a:r>
-          </a:p>
-          <a:p>
-            <a:endParaRPr lang="en-US" dirty="0"/>
-          </a:p>
-          <a:p>
-            <a:r>
-              <a:rPr lang="en-US" dirty="0"/>
-              <a:t>Quick-R often has more helpful information when you are just starting:</a:t>
-            </a:r>
-          </a:p>
-          <a:p>
-            <a:r>
-              <a:rPr lang="en-US" dirty="0">
-                <a:hlinkClick r:id="rId2"/>
-              </a:rPr>
-              <a:t>https://www.statmethods.net/index.html</a:t>
-            </a:r>
-            <a:endParaRPr lang="en-US" dirty="0"/>
-          </a:p>
-          <a:p>
-            <a:r>
-              <a:rPr lang="en-US" dirty="0"/>
-              <a:t>(</a:t>
-            </a:r>
-            <a:r>
-              <a:rPr lang="en-US" i="1" dirty="0"/>
-              <a:t>switch to console)</a:t>
-            </a:r>
-            <a:endParaRPr lang="en-US" dirty="0"/>
-          </a:p>
-          <a:p>
+              <a:t>Avoid </a:t>
+            </a:r>
+            <a:r>
+              <a:rPr lang="en-US" dirty="0" err="1"/>
+              <a:t>variableNamesThatAreExcessivelyLong</a:t>
+            </a:r>
             <a:endParaRPr lang="en-US" dirty="0"/>
           </a:p>
           <a:p>
@@ -5482,7 +6383,7 @@
     </p:spTree>
     <p:extLst>
       <p:ext uri="{BB962C8B-B14F-4D97-AF65-F5344CB8AC3E}">
-        <p14:creationId xmlns:p14="http://schemas.microsoft.com/office/powerpoint/2010/main" val="2059472006"/>
+        <p14:creationId xmlns:p14="http://schemas.microsoft.com/office/powerpoint/2010/main" val="1242116755"/>
       </p:ext>
     </p:extLst>
   </p:cSld>
@@ -5492,7 +6393,7 @@
 </p:sld>
 </file>
 
-<file path=ppt/slides/slide23.xml><?xml version="1.0" encoding="utf-8"?>
+<file path=ppt/slides/slide3.xml><?xml version="1.0" encoding="utf-8"?>
 <p:sld xmlns:a="http://schemas.openxmlformats.org/drawingml/2006/main" xmlns:r="http://schemas.openxmlformats.org/officeDocument/2006/relationships" xmlns:p="http://schemas.openxmlformats.org/presentationml/2006/main">
   <p:cSld>
     <p:spTree>
@@ -5526,7 +6427,7 @@
           <a:p>
             <a:r>
               <a:rPr lang="en-US" dirty="0"/>
-              <a:t>Variable names</a:t>
+              <a:t>Card</a:t>
             </a:r>
           </a:p>
         </p:txBody>
@@ -5543,87 +6444,57 @@
         </p:nvSpPr>
         <p:spPr/>
         <p:txBody>
-          <a:bodyPr>
-            <a:normAutofit fontScale="92500" lnSpcReduction="10000"/>
-          </a:bodyPr>
-          <a:lstStyle/>
-          <a:p>
-            <a:r>
-              <a:rPr lang="en-US" dirty="0"/>
-              <a:t>R variable names are case-sensitive. This means that m and M are different variables. In general, you should not try to take advantage of this, because it may cause confusion.</a:t>
-            </a:r>
-          </a:p>
-          <a:p>
-            <a:r>
-              <a:rPr lang="en-US" dirty="0"/>
-              <a:t>R variable names have to start with a letter, and certain characters (particularly space characters) are not allowed. Good naming conventions include:</a:t>
-            </a:r>
-          </a:p>
-          <a:p>
-            <a:r>
-              <a:rPr lang="en-US" dirty="0"/>
-              <a:t>Using mostly letters, underscores (_) and dots (.)</a:t>
-            </a:r>
-          </a:p>
-          <a:p>
-            <a:r>
-              <a:rPr lang="en-US" dirty="0"/>
-              <a:t>Not using potentially confusing names like l or O.</a:t>
-            </a:r>
-          </a:p>
-          <a:p>
-            <a:r>
-              <a:rPr lang="en-US" dirty="0"/>
-              <a:t>Not using built-in names (like c, list, or data) for variables.</a:t>
-            </a:r>
-          </a:p>
-          <a:p>
-            <a:r>
-              <a:rPr lang="en-US" dirty="0"/>
-              <a:t>Make readable variable names using </a:t>
-            </a:r>
-            <a:r>
-              <a:rPr lang="en-US" dirty="0" err="1"/>
-              <a:t>camelCase</a:t>
-            </a:r>
-            <a:r>
-              <a:rPr lang="en-US" dirty="0"/>
-              <a:t>, </a:t>
-            </a:r>
-            <a:r>
-              <a:rPr lang="en-US" dirty="0" err="1"/>
-              <a:t>snake_case</a:t>
-            </a:r>
-            <a:r>
-              <a:rPr lang="en-US" dirty="0"/>
-              <a:t>, or </a:t>
-            </a:r>
-            <a:r>
-              <a:rPr lang="en-US" dirty="0" err="1"/>
-              <a:t>kebab.case</a:t>
-            </a:r>
-            <a:endParaRPr lang="en-US" dirty="0"/>
-          </a:p>
-          <a:p>
-            <a:r>
-              <a:rPr lang="en-US" dirty="0"/>
-              <a:t>Avoid </a:t>
-            </a:r>
-            <a:r>
-              <a:rPr lang="en-US" dirty="0" err="1"/>
-              <a:t>variableNamesThatAreExcessivelyLong</a:t>
-            </a:r>
-            <a:endParaRPr lang="en-US" dirty="0"/>
-          </a:p>
-          <a:p>
-            <a:endParaRPr lang="en-US" dirty="0"/>
+          <a:bodyPr/>
+          <a:lstStyle/>
+          <a:p>
+            <a:r>
+              <a:rPr lang="en-US" dirty="0"/>
+              <a:t>Name and email</a:t>
+            </a:r>
+          </a:p>
+          <a:p>
+            <a:r>
+              <a:rPr lang="en-US" dirty="0"/>
+              <a:t>Advisor</a:t>
+            </a:r>
+          </a:p>
+          <a:p>
+            <a:r>
+              <a:rPr lang="en-US" dirty="0"/>
+              <a:t>Likely thesis topic</a:t>
+            </a:r>
+          </a:p>
+          <a:p>
+            <a:r>
+              <a:rPr lang="en-US" dirty="0"/>
+              <a:t>Do you have a dataset?</a:t>
+            </a:r>
+          </a:p>
+          <a:p>
+            <a:pPr lvl="1"/>
+            <a:r>
+              <a:rPr lang="en-US" dirty="0"/>
+              <a:t>Please provide a one-sentence description of this.</a:t>
+            </a:r>
+          </a:p>
+          <a:p>
+            <a:r>
+              <a:rPr lang="en-US" dirty="0"/>
+              <a:t>What is your enrollment status in this course? (e.g. enrolled A-F, enrolled audit, enrolled P/F)</a:t>
+            </a:r>
+          </a:p>
+          <a:p>
+            <a:r>
+              <a:rPr lang="en-US" dirty="0"/>
+              <a:t>Please provide a previous description of your R experience. </a:t>
+            </a:r>
           </a:p>
         </p:txBody>
       </p:sp>
     </p:spTree>
     <p:extLst>
       <p:ext uri="{BB962C8B-B14F-4D97-AF65-F5344CB8AC3E}">
-        <p14:creationId xmlns:p14="http://schemas.microsoft.com/office/powerpoint/2010/main" val="1242116755"/>
+        <p14:creationId xmlns:p14="http://schemas.microsoft.com/office/powerpoint/2010/main" val="1423088871"/>
       </p:ext>
     </p:extLst>
   </p:cSld>
@@ -5633,7 +6504,7 @@
 </p:sld>
 </file>
 
-<file path=ppt/slides/slide24.xml><?xml version="1.0" encoding="utf-8"?>
+<file path=ppt/slides/slide30.xml><?xml version="1.0" encoding="utf-8"?>
 <p:sld xmlns:a="http://schemas.openxmlformats.org/drawingml/2006/main" xmlns:r="http://schemas.openxmlformats.org/officeDocument/2006/relationships" xmlns:p="http://schemas.openxmlformats.org/presentationml/2006/main">
   <p:cSld>
     <p:spTree>
@@ -5714,7 +6585,7 @@
 </p:sld>
 </file>
 
-<file path=ppt/slides/slide25.xml><?xml version="1.0" encoding="utf-8"?>
+<file path=ppt/slides/slide31.xml><?xml version="1.0" encoding="utf-8"?>
 <p:sld xmlns:a="http://schemas.openxmlformats.org/drawingml/2006/main" xmlns:r="http://schemas.openxmlformats.org/officeDocument/2006/relationships" xmlns:p="http://schemas.openxmlformats.org/presentationml/2006/main">
   <p:cSld>
     <p:spTree>
@@ -5813,7 +6684,7 @@
 </p:sld>
 </file>
 
-<file path=ppt/slides/slide26.xml><?xml version="1.0" encoding="utf-8"?>
+<file path=ppt/slides/slide32.xml><?xml version="1.0" encoding="utf-8"?>
 <p:sld xmlns:a="http://schemas.openxmlformats.org/drawingml/2006/main" xmlns:r="http://schemas.openxmlformats.org/officeDocument/2006/relationships" xmlns:p="http://schemas.openxmlformats.org/presentationml/2006/main">
   <p:cSld>
     <p:spTree>
@@ -5904,7 +6775,7 @@
 </p:sld>
 </file>
 
-<file path=ppt/slides/slide27.xml><?xml version="1.0" encoding="utf-8"?>
+<file path=ppt/slides/slide33.xml><?xml version="1.0" encoding="utf-8"?>
 <p:sld xmlns:a="http://schemas.openxmlformats.org/drawingml/2006/main" xmlns:r="http://schemas.openxmlformats.org/officeDocument/2006/relationships" xmlns:p="http://schemas.openxmlformats.org/presentationml/2006/main">
   <p:cSld>
     <p:spTree>
@@ -5995,7 +6866,7 @@
 </p:sld>
 </file>
 
-<file path=ppt/slides/slide28.xml><?xml version="1.0" encoding="utf-8"?>
+<file path=ppt/slides/slide34.xml><?xml version="1.0" encoding="utf-8"?>
 <p:sld xmlns:a="http://schemas.openxmlformats.org/drawingml/2006/main" xmlns:r="http://schemas.openxmlformats.org/officeDocument/2006/relationships" xmlns:p="http://schemas.openxmlformats.org/presentationml/2006/main">
   <p:cSld>
     <p:spTree>
@@ -6131,7 +7002,7 @@
 </p:sld>
 </file>
 
-<file path=ppt/slides/slide29.xml><?xml version="1.0" encoding="utf-8"?>
+<file path=ppt/slides/slide35.xml><?xml version="1.0" encoding="utf-8"?>
 <p:sld xmlns:a="http://schemas.openxmlformats.org/drawingml/2006/main" xmlns:r="http://schemas.openxmlformats.org/officeDocument/2006/relationships" xmlns:p="http://schemas.openxmlformats.org/presentationml/2006/main">
   <p:cSld>
     <p:spTree>
@@ -6287,7 +7158,7 @@
 </p:sld>
 </file>
 
-<file path=ppt/slides/slide3.xml><?xml version="1.0" encoding="utf-8"?>
+<file path=ppt/slides/slide36.xml><?xml version="1.0" encoding="utf-8"?>
 <p:sld xmlns:a="http://schemas.openxmlformats.org/drawingml/2006/main" xmlns:r="http://schemas.openxmlformats.org/officeDocument/2006/relationships" xmlns:p="http://schemas.openxmlformats.org/presentationml/2006/main">
   <p:cSld>
     <p:spTree>
@@ -6321,117 +7192,6 @@
           <a:p>
             <a:r>
               <a:rPr lang="en-US" dirty="0"/>
-              <a:t>Card</a:t>
-            </a:r>
-          </a:p>
-        </p:txBody>
-      </p:sp>
-      <p:sp>
-        <p:nvSpPr>
-          <p:cNvPr id="3" name="Content Placeholder 2"/>
-          <p:cNvSpPr>
-            <a:spLocks noGrp="1"/>
-          </p:cNvSpPr>
-          <p:nvPr>
-            <p:ph idx="1"/>
-          </p:nvPr>
-        </p:nvSpPr>
-        <p:spPr/>
-        <p:txBody>
-          <a:bodyPr/>
-          <a:lstStyle/>
-          <a:p>
-            <a:r>
-              <a:rPr lang="en-US" dirty="0"/>
-              <a:t>Name and email</a:t>
-            </a:r>
-          </a:p>
-          <a:p>
-            <a:r>
-              <a:rPr lang="en-US" dirty="0"/>
-              <a:t>Advisor</a:t>
-            </a:r>
-          </a:p>
-          <a:p>
-            <a:r>
-              <a:rPr lang="en-US" dirty="0"/>
-              <a:t>Likely thesis topic</a:t>
-            </a:r>
-          </a:p>
-          <a:p>
-            <a:r>
-              <a:rPr lang="en-US" dirty="0"/>
-              <a:t>Do you have a dataset?</a:t>
-            </a:r>
-          </a:p>
-          <a:p>
-            <a:pPr lvl="1"/>
-            <a:r>
-              <a:rPr lang="en-US" dirty="0"/>
-              <a:t>Please provide a one-sentence description of this.</a:t>
-            </a:r>
-          </a:p>
-          <a:p>
-            <a:r>
-              <a:rPr lang="en-US" dirty="0"/>
-              <a:t>What is your enrollment status in this course?</a:t>
-            </a:r>
-          </a:p>
-          <a:p>
-            <a:r>
-              <a:rPr lang="en-US" dirty="0"/>
-              <a:t>Please provide a previous description of your R experience. </a:t>
-            </a:r>
-          </a:p>
-        </p:txBody>
-      </p:sp>
-    </p:spTree>
-    <p:extLst>
-      <p:ext uri="{BB962C8B-B14F-4D97-AF65-F5344CB8AC3E}">
-        <p14:creationId xmlns:p14="http://schemas.microsoft.com/office/powerpoint/2010/main" val="1423088871"/>
-      </p:ext>
-    </p:extLst>
-  </p:cSld>
-  <p:clrMapOvr>
-    <a:masterClrMapping/>
-  </p:clrMapOvr>
-</p:sld>
-</file>
-
-<file path=ppt/slides/slide30.xml><?xml version="1.0" encoding="utf-8"?>
-<p:sld xmlns:a="http://schemas.openxmlformats.org/drawingml/2006/main" xmlns:r="http://schemas.openxmlformats.org/officeDocument/2006/relationships" xmlns:p="http://schemas.openxmlformats.org/presentationml/2006/main">
-  <p:cSld>
-    <p:spTree>
-      <p:nvGrpSpPr>
-        <p:cNvPr id="1" name=""/>
-        <p:cNvGrpSpPr/>
-        <p:nvPr/>
-      </p:nvGrpSpPr>
-      <p:grpSpPr>
-        <a:xfrm>
-          <a:off x="0" y="0"/>
-          <a:ext cx="0" cy="0"/>
-          <a:chOff x="0" y="0"/>
-          <a:chExt cx="0" cy="0"/>
-        </a:xfrm>
-      </p:grpSpPr>
-      <p:sp>
-        <p:nvSpPr>
-          <p:cNvPr id="2" name="Title 1"/>
-          <p:cNvSpPr>
-            <a:spLocks noGrp="1"/>
-          </p:cNvSpPr>
-          <p:nvPr>
-            <p:ph type="title"/>
-          </p:nvPr>
-        </p:nvSpPr>
-        <p:spPr/>
-        <p:txBody>
-          <a:bodyPr/>
-          <a:lstStyle/>
-          <a:p>
-            <a:r>
-              <a:rPr lang="en-US" dirty="0"/>
               <a:t>Making your excel file</a:t>
             </a:r>
           </a:p>
@@ -6478,7 +7238,7 @@
 </p:sld>
 </file>
 
-<file path=ppt/slides/slide31.xml><?xml version="1.0" encoding="utf-8"?>
+<file path=ppt/slides/slide37.xml><?xml version="1.0" encoding="utf-8"?>
 <p:sld xmlns:a="http://schemas.openxmlformats.org/drawingml/2006/main" xmlns:r="http://schemas.openxmlformats.org/officeDocument/2006/relationships" xmlns:p="http://schemas.openxmlformats.org/presentationml/2006/main">
   <p:cSld>
     <p:spTree>
@@ -6578,7 +7338,7 @@
 </p:sld>
 </file>
 
-<file path=ppt/slides/slide32.xml><?xml version="1.0" encoding="utf-8"?>
+<file path=ppt/slides/slide38.xml><?xml version="1.0" encoding="utf-8"?>
 <p:sld xmlns:a="http://schemas.openxmlformats.org/drawingml/2006/main" xmlns:r="http://schemas.openxmlformats.org/officeDocument/2006/relationships" xmlns:p="http://schemas.openxmlformats.org/presentationml/2006/main">
   <p:cSld>
     <p:spTree>
@@ -6654,7 +7414,7 @@
 </p:sld>
 </file>
 
-<file path=ppt/slides/slide33.xml><?xml version="1.0" encoding="utf-8"?>
+<file path=ppt/slides/slide39.xml><?xml version="1.0" encoding="utf-8"?>
 <p:sld xmlns:a="http://schemas.openxmlformats.org/drawingml/2006/main" xmlns:r="http://schemas.openxmlformats.org/officeDocument/2006/relationships" xmlns:p="http://schemas.openxmlformats.org/presentationml/2006/main">
   <p:cSld>
     <p:spTree>
@@ -6773,7 +7533,7 @@
 </p:sld>
 </file>
 
-<file path=ppt/slides/slide34.xml><?xml version="1.0" encoding="utf-8"?>
+<file path=ppt/slides/slide4.xml><?xml version="1.0" encoding="utf-8"?>
 <p:sld xmlns:a="http://schemas.openxmlformats.org/drawingml/2006/main" xmlns:r="http://schemas.openxmlformats.org/officeDocument/2006/relationships" xmlns:p="http://schemas.openxmlformats.org/presentationml/2006/main">
   <p:cSld>
     <p:spTree>
@@ -6792,7 +7552,13 @@
       </p:grpSpPr>
       <p:sp>
         <p:nvSpPr>
-          <p:cNvPr id="2" name="Title 1"/>
+          <p:cNvPr id="2" name="Title 1">
+            <a:extLst>
+              <a:ext uri="{FF2B5EF4-FFF2-40B4-BE49-F238E27FC236}">
+                <a16:creationId xmlns:a16="http://schemas.microsoft.com/office/drawing/2014/main" id="{5DB03412-4DB1-DA4C-8D05-8B402A9E0996}"/>
+              </a:ext>
+            </a:extLst>
+          </p:cNvPr>
           <p:cNvSpPr>
             <a:spLocks noGrp="1"/>
           </p:cNvSpPr>
@@ -6807,14 +7573,20 @@
           <a:p>
             <a:r>
               <a:rPr lang="en-US" dirty="0"/>
-              <a:t>Reading data</a:t>
-            </a:r>
-          </a:p>
-        </p:txBody>
-      </p:sp>
-      <p:sp>
-        <p:nvSpPr>
-          <p:cNvPr id="3" name="Content Placeholder 2"/>
+              <a:t>Poll everywhere</a:t>
+            </a:r>
+          </a:p>
+        </p:txBody>
+      </p:sp>
+      <p:sp>
+        <p:nvSpPr>
+          <p:cNvPr id="3" name="Content Placeholder 2">
+            <a:extLst>
+              <a:ext uri="{FF2B5EF4-FFF2-40B4-BE49-F238E27FC236}">
+                <a16:creationId xmlns:a16="http://schemas.microsoft.com/office/drawing/2014/main" id="{80AE334E-20B4-F943-AE4B-F32F9DED40A7}"/>
+              </a:ext>
+            </a:extLst>
+          </p:cNvPr>
           <p:cNvSpPr>
             <a:spLocks noGrp="1"/>
           </p:cNvSpPr>
@@ -6828,49 +7600,9 @@
           <a:lstStyle/>
           <a:p>
             <a:r>
-              <a:rPr lang="en-US" dirty="0" err="1"/>
-              <a:t>read.csv</a:t>
-            </a:r>
-            <a:r>
-              <a:rPr lang="en-US" dirty="0"/>
-              <a:t>(r2 &lt;- </a:t>
-            </a:r>
-            <a:r>
-              <a:rPr lang="en-US" dirty="0" err="1"/>
-              <a:t>read.csv</a:t>
-            </a:r>
-            <a:r>
-              <a:rPr lang="en-US" dirty="0"/>
-              <a:t>("/Users/</a:t>
-            </a:r>
-            <a:r>
-              <a:rPr lang="en-US" dirty="0" err="1"/>
-              <a:t>klangwig</a:t>
-            </a:r>
-            <a:r>
-              <a:rPr lang="en-US" dirty="0"/>
-              <a:t>/Dropbox/Contact rate MS/Network graph/Network data/</a:t>
-            </a:r>
-            <a:r>
-              <a:rPr lang="en-US" dirty="0" err="1"/>
-              <a:t>enviro_master.csv</a:t>
-            </a:r>
-            <a:r>
-              <a:rPr lang="en-US" dirty="0"/>
-              <a:t>")</a:t>
-            </a:r>
-          </a:p>
-          <a:p>
-            <a:endParaRPr lang="en-US" dirty="0"/>
-          </a:p>
-          <a:p>
-            <a:r>
-              <a:rPr lang="en-US" dirty="0"/>
-              <a:t>Replace with your own directory (can check with right click and “get info”)</a:t>
-            </a:r>
-          </a:p>
-          <a:p>
-            <a:endParaRPr lang="en-US" dirty="0"/>
+              <a:rPr lang="en-US" dirty="0"/>
+              <a:t>Please navigate to this page to anonymously describe your experiences with R and statistics</a:t>
+            </a:r>
           </a:p>
           <a:p>
             <a:pPr marL="0" indent="0">
@@ -6878,12 +7610,26 @@
             </a:pPr>
             <a:endParaRPr lang="en-US" dirty="0"/>
           </a:p>
+          <a:p>
+            <a:r>
+              <a:rPr lang="en-US" dirty="0"/>
+              <a:t>https://</a:t>
+            </a:r>
+            <a:r>
+              <a:rPr lang="en-US" dirty="0" err="1"/>
+              <a:t>PollEv.com</a:t>
+            </a:r>
+            <a:r>
+              <a:rPr lang="en-US" dirty="0"/>
+              <a:t>/surveys/aZW4uGWFRv97pSRQj7hfb/respond</a:t>
+            </a:r>
+          </a:p>
         </p:txBody>
       </p:sp>
     </p:spTree>
     <p:extLst>
       <p:ext uri="{BB962C8B-B14F-4D97-AF65-F5344CB8AC3E}">
-        <p14:creationId xmlns:p14="http://schemas.microsoft.com/office/powerpoint/2010/main" val="1762710578"/>
+        <p14:creationId xmlns:p14="http://schemas.microsoft.com/office/powerpoint/2010/main" val="3804576102"/>
       </p:ext>
     </p:extLst>
   </p:cSld>
@@ -6893,7 +7639,7 @@
 </p:sld>
 </file>
 
-<file path=ppt/slides/slide35.xml><?xml version="1.0" encoding="utf-8"?>
+<file path=ppt/slides/slide40.xml><?xml version="1.0" encoding="utf-8"?>
 <p:sld xmlns:a="http://schemas.openxmlformats.org/drawingml/2006/main" xmlns:r="http://schemas.openxmlformats.org/officeDocument/2006/relationships" xmlns:p="http://schemas.openxmlformats.org/presentationml/2006/main">
   <p:cSld>
     <p:spTree>
@@ -6912,13 +7658,7 @@
       </p:grpSpPr>
       <p:sp>
         <p:nvSpPr>
-          <p:cNvPr id="2" name="Title 1">
-            <a:extLst>
-              <a:ext uri="{FF2B5EF4-FFF2-40B4-BE49-F238E27FC236}">
-                <a16:creationId xmlns:a16="http://schemas.microsoft.com/office/drawing/2014/main" id="{7E5A9086-77EA-0B44-AE79-9B9A2F331E15}"/>
-              </a:ext>
-            </a:extLst>
-          </p:cNvPr>
+          <p:cNvPr id="2" name="Title 1"/>
           <p:cNvSpPr>
             <a:spLocks noGrp="1"/>
           </p:cNvSpPr>
@@ -6933,20 +7673,14 @@
           <a:p>
             <a:r>
               <a:rPr lang="en-US" dirty="0"/>
-              <a:t>Overview of file organization for course</a:t>
-            </a:r>
-          </a:p>
-        </p:txBody>
-      </p:sp>
-      <p:sp>
-        <p:nvSpPr>
-          <p:cNvPr id="3" name="Content Placeholder 2">
-            <a:extLst>
-              <a:ext uri="{FF2B5EF4-FFF2-40B4-BE49-F238E27FC236}">
-                <a16:creationId xmlns:a16="http://schemas.microsoft.com/office/drawing/2014/main" id="{20EACB04-4DD1-6042-AE8E-006CD800B158}"/>
-              </a:ext>
-            </a:extLst>
-          </p:cNvPr>
+              <a:t>Reading data</a:t>
+            </a:r>
+          </a:p>
+        </p:txBody>
+      </p:sp>
+      <p:sp>
+        <p:nvSpPr>
+          <p:cNvPr id="3" name="Content Placeholder 2"/>
           <p:cNvSpPr>
             <a:spLocks noGrp="1"/>
           </p:cNvSpPr>
@@ -6961,7 +7695,31 @@
           <a:p>
             <a:r>
               <a:rPr lang="en-US" dirty="0"/>
-              <a:t>You will have a folder on your computer that will ALL the files associated with this course (data files, documents, R scripts). </a:t>
+              <a:t>r2 &lt;- </a:t>
+            </a:r>
+            <a:r>
+              <a:rPr lang="en-US" dirty="0" err="1"/>
+              <a:t>read.csv</a:t>
+            </a:r>
+            <a:r>
+              <a:rPr lang="en-US" dirty="0"/>
+              <a:t>("/Users/</a:t>
+            </a:r>
+            <a:r>
+              <a:rPr lang="en-US" dirty="0" err="1"/>
+              <a:t>klangwig</a:t>
+            </a:r>
+            <a:r>
+              <a:rPr lang="en-US" dirty="0"/>
+              <a:t>/Dropbox/Contact rate MS/Network graph/Network data/</a:t>
+            </a:r>
+            <a:r>
+              <a:rPr lang="en-US" dirty="0" err="1"/>
+              <a:t>enviro_master.csv</a:t>
+            </a:r>
+            <a:r>
+              <a:rPr lang="en-US" dirty="0"/>
+              <a:t>")</a:t>
             </a:r>
           </a:p>
           <a:p>
@@ -6970,32 +7728,24 @@
           <a:p>
             <a:r>
               <a:rPr lang="en-US" dirty="0"/>
-              <a:t>This folder may have subfolders which you should denote in your scripts</a:t>
+              <a:t>Replace with your own directory (can check with right click and “get info”)</a:t>
             </a:r>
           </a:p>
           <a:p>
             <a:endParaRPr lang="en-US" dirty="0"/>
           </a:p>
           <a:p>
-            <a:r>
-              <a:rPr lang="en-US" dirty="0"/>
-              <a:t>This folder will be associated with an R project file and a </a:t>
-            </a:r>
-            <a:r>
-              <a:rPr lang="en-US" dirty="0" err="1"/>
-              <a:t>Github</a:t>
-            </a:r>
-            <a:r>
-              <a:rPr lang="en-US" dirty="0"/>
-              <a:t> repository (e.g. folder)</a:t>
-            </a:r>
+            <a:pPr marL="0" indent="0">
+              <a:buNone/>
+            </a:pPr>
+            <a:endParaRPr lang="en-US" dirty="0"/>
           </a:p>
         </p:txBody>
       </p:sp>
     </p:spTree>
     <p:extLst>
       <p:ext uri="{BB962C8B-B14F-4D97-AF65-F5344CB8AC3E}">
-        <p14:creationId xmlns:p14="http://schemas.microsoft.com/office/powerpoint/2010/main" val="1728399788"/>
+        <p14:creationId xmlns:p14="http://schemas.microsoft.com/office/powerpoint/2010/main" val="1762710578"/>
       </p:ext>
     </p:extLst>
   </p:cSld>
@@ -7005,7 +7755,7 @@
 </p:sld>
 </file>
 
-<file path=ppt/slides/slide36.xml><?xml version="1.0" encoding="utf-8"?>
+<file path=ppt/slides/slide41.xml><?xml version="1.0" encoding="utf-8"?>
 <p:sld xmlns:a="http://schemas.openxmlformats.org/drawingml/2006/main" xmlns:r="http://schemas.openxmlformats.org/officeDocument/2006/relationships" xmlns:p="http://schemas.openxmlformats.org/presentationml/2006/main">
   <p:cSld>
     <p:spTree>
@@ -7027,6 +7777,118 @@
           <p:cNvPr id="2" name="Title 1">
             <a:extLst>
               <a:ext uri="{FF2B5EF4-FFF2-40B4-BE49-F238E27FC236}">
+                <a16:creationId xmlns:a16="http://schemas.microsoft.com/office/drawing/2014/main" id="{7E5A9086-77EA-0B44-AE79-9B9A2F331E15}"/>
+              </a:ext>
+            </a:extLst>
+          </p:cNvPr>
+          <p:cNvSpPr>
+            <a:spLocks noGrp="1"/>
+          </p:cNvSpPr>
+          <p:nvPr>
+            <p:ph type="title"/>
+          </p:nvPr>
+        </p:nvSpPr>
+        <p:spPr/>
+        <p:txBody>
+          <a:bodyPr/>
+          <a:lstStyle/>
+          <a:p>
+            <a:r>
+              <a:rPr lang="en-US" dirty="0"/>
+              <a:t>Overview of file organization for course</a:t>
+            </a:r>
+          </a:p>
+        </p:txBody>
+      </p:sp>
+      <p:sp>
+        <p:nvSpPr>
+          <p:cNvPr id="3" name="Content Placeholder 2">
+            <a:extLst>
+              <a:ext uri="{FF2B5EF4-FFF2-40B4-BE49-F238E27FC236}">
+                <a16:creationId xmlns:a16="http://schemas.microsoft.com/office/drawing/2014/main" id="{20EACB04-4DD1-6042-AE8E-006CD800B158}"/>
+              </a:ext>
+            </a:extLst>
+          </p:cNvPr>
+          <p:cNvSpPr>
+            <a:spLocks noGrp="1"/>
+          </p:cNvSpPr>
+          <p:nvPr>
+            <p:ph idx="1"/>
+          </p:nvPr>
+        </p:nvSpPr>
+        <p:spPr/>
+        <p:txBody>
+          <a:bodyPr/>
+          <a:lstStyle/>
+          <a:p>
+            <a:r>
+              <a:rPr lang="en-US" dirty="0"/>
+              <a:t>You will have a folder on your computer that will ALL the files associated with this course (data files, documents, R scripts). </a:t>
+            </a:r>
+          </a:p>
+          <a:p>
+            <a:endParaRPr lang="en-US" dirty="0"/>
+          </a:p>
+          <a:p>
+            <a:r>
+              <a:rPr lang="en-US" dirty="0"/>
+              <a:t>This folder may have subfolders which you should denote in your scripts</a:t>
+            </a:r>
+          </a:p>
+          <a:p>
+            <a:endParaRPr lang="en-US" dirty="0"/>
+          </a:p>
+          <a:p>
+            <a:r>
+              <a:rPr lang="en-US" dirty="0"/>
+              <a:t>This folder will be associated with an R project file and a </a:t>
+            </a:r>
+            <a:r>
+              <a:rPr lang="en-US" dirty="0" err="1"/>
+              <a:t>Github</a:t>
+            </a:r>
+            <a:r>
+              <a:rPr lang="en-US" dirty="0"/>
+              <a:t> repository (e.g. folder)</a:t>
+            </a:r>
+          </a:p>
+        </p:txBody>
+      </p:sp>
+    </p:spTree>
+    <p:extLst>
+      <p:ext uri="{BB962C8B-B14F-4D97-AF65-F5344CB8AC3E}">
+        <p14:creationId xmlns:p14="http://schemas.microsoft.com/office/powerpoint/2010/main" val="1728399788"/>
+      </p:ext>
+    </p:extLst>
+  </p:cSld>
+  <p:clrMapOvr>
+    <a:masterClrMapping/>
+  </p:clrMapOvr>
+</p:sld>
+</file>
+
+<file path=ppt/slides/slide42.xml><?xml version="1.0" encoding="utf-8"?>
+<p:sld xmlns:a="http://schemas.openxmlformats.org/drawingml/2006/main" xmlns:r="http://schemas.openxmlformats.org/officeDocument/2006/relationships" xmlns:p="http://schemas.openxmlformats.org/presentationml/2006/main">
+  <p:cSld>
+    <p:spTree>
+      <p:nvGrpSpPr>
+        <p:cNvPr id="1" name=""/>
+        <p:cNvGrpSpPr/>
+        <p:nvPr/>
+      </p:nvGrpSpPr>
+      <p:grpSpPr>
+        <a:xfrm>
+          <a:off x="0" y="0"/>
+          <a:ext cx="0" cy="0"/>
+          <a:chOff x="0" y="0"/>
+          <a:chExt cx="0" cy="0"/>
+        </a:xfrm>
+      </p:grpSpPr>
+      <p:sp>
+        <p:nvSpPr>
+          <p:cNvPr id="2" name="Title 1">
+            <a:extLst>
+              <a:ext uri="{FF2B5EF4-FFF2-40B4-BE49-F238E27FC236}">
                 <a16:creationId xmlns:a16="http://schemas.microsoft.com/office/drawing/2014/main" id="{8AE713AB-3B6A-ED4D-9165-AB18492B1BD7}"/>
               </a:ext>
             </a:extLst>
@@ -7109,7 +7971,7 @@
 </p:sld>
 </file>
 
-<file path=ppt/slides/slide37.xml><?xml version="1.0" encoding="utf-8"?>
+<file path=ppt/slides/slide43.xml><?xml version="1.0" encoding="utf-8"?>
 <p:sld xmlns:a="http://schemas.openxmlformats.org/drawingml/2006/main" xmlns:r="http://schemas.openxmlformats.org/officeDocument/2006/relationships" xmlns:p="http://schemas.openxmlformats.org/presentationml/2006/main">
   <p:cSld>
     <p:spTree>
@@ -7257,7 +8119,7 @@
 </p:sld>
 </file>
 
-<file path=ppt/slides/slide38.xml><?xml version="1.0" encoding="utf-8"?>
+<file path=ppt/slides/slide44.xml><?xml version="1.0" encoding="utf-8"?>
 <p:sld xmlns:a="http://schemas.openxmlformats.org/drawingml/2006/main" xmlns:r="http://schemas.openxmlformats.org/officeDocument/2006/relationships" xmlns:p="http://schemas.openxmlformats.org/presentationml/2006/main">
   <p:cSld>
     <p:spTree>
@@ -7346,7 +8208,7 @@
 </p:sld>
 </file>
 
-<file path=ppt/slides/slide39.xml><?xml version="1.0" encoding="utf-8"?>
+<file path=ppt/slides/slide45.xml><?xml version="1.0" encoding="utf-8"?>
 <p:sld xmlns:a="http://schemas.openxmlformats.org/drawingml/2006/main" xmlns:r="http://schemas.openxmlformats.org/officeDocument/2006/relationships" xmlns:p="http://schemas.openxmlformats.org/presentationml/2006/main">
   <p:cSld>
     <p:spTree>
@@ -7398,9 +8260,33 @@
         <p:spPr/>
         <p:txBody>
           <a:bodyPr>
-            <a:normAutofit fontScale="70000" lnSpcReduction="20000"/>
+            <a:normAutofit fontScale="62500" lnSpcReduction="20000"/>
           </a:bodyPr>
           <a:lstStyle/>
+          <a:p>
+            <a:r>
+              <a:rPr lang="en-US" dirty="0"/>
+              <a:t>Outside of R: </a:t>
+            </a:r>
+            <a:r>
+              <a:rPr lang="en-US" dirty="0" err="1"/>
+              <a:t>xQuartz</a:t>
+            </a:r>
+            <a:r>
+              <a:rPr lang="en-US" dirty="0"/>
+              <a:t> (mac only? - </a:t>
+            </a:r>
+            <a:r>
+              <a:rPr lang="en-US" dirty="0">
+                <a:hlinkClick r:id="rId3"/>
+              </a:rPr>
+              <a:t>https://www.xquartz.org/</a:t>
+            </a:r>
+            <a:r>
+              <a:rPr lang="en-US" dirty="0"/>
+              <a:t>)</a:t>
+            </a:r>
+          </a:p>
           <a:p>
             <a:r>
               <a:rPr lang="en-US" dirty="0"/>
@@ -7449,14 +8335,14 @@
           <a:p>
             <a:r>
               <a:rPr lang="en-US" dirty="0" err="1"/>
-              <a:t>knitr</a:t>
-            </a:r>
+              <a:t>Knitr</a:t>
+            </a:r>
+            <a:endParaRPr lang="en-US" dirty="0"/>
+          </a:p>
+          <a:p>
             <a:br>
               <a:rPr lang="en-US" dirty="0"/>
             </a:br>
-            <a:endParaRPr lang="en-US" dirty="0"/>
-          </a:p>
-          <a:p>
             <a:r>
               <a:rPr lang="en-US" dirty="0"/>
               <a:t>Load packages with library() </a:t>
@@ -7485,168 +8371,6 @@
     <p:extLst>
       <p:ext uri="{BB962C8B-B14F-4D97-AF65-F5344CB8AC3E}">
         <p14:creationId xmlns:p14="http://schemas.microsoft.com/office/powerpoint/2010/main" val="24244648"/>
-      </p:ext>
-    </p:extLst>
-  </p:cSld>
-  <p:clrMapOvr>
-    <a:masterClrMapping/>
-  </p:clrMapOvr>
-</p:sld>
-</file>
-
-<file path=ppt/slides/slide4.xml><?xml version="1.0" encoding="utf-8"?>
-<p:sld xmlns:a="http://schemas.openxmlformats.org/drawingml/2006/main" xmlns:r="http://schemas.openxmlformats.org/officeDocument/2006/relationships" xmlns:p="http://schemas.openxmlformats.org/presentationml/2006/main">
-  <p:cSld>
-    <p:spTree>
-      <p:nvGrpSpPr>
-        <p:cNvPr id="1" name=""/>
-        <p:cNvGrpSpPr/>
-        <p:nvPr/>
-      </p:nvGrpSpPr>
-      <p:grpSpPr>
-        <a:xfrm>
-          <a:off x="0" y="0"/>
-          <a:ext cx="0" cy="0"/>
-          <a:chOff x="0" y="0"/>
-          <a:chExt cx="0" cy="0"/>
-        </a:xfrm>
-      </p:grpSpPr>
-      <p:sp>
-        <p:nvSpPr>
-          <p:cNvPr id="2" name="Title 1"/>
-          <p:cNvSpPr>
-            <a:spLocks noGrp="1"/>
-          </p:cNvSpPr>
-          <p:nvPr>
-            <p:ph type="title"/>
-          </p:nvPr>
-        </p:nvSpPr>
-        <p:spPr/>
-        <p:txBody>
-          <a:bodyPr/>
-          <a:lstStyle/>
-          <a:p>
-            <a:r>
-              <a:rPr lang="en-US" dirty="0"/>
-              <a:t>Preparation</a:t>
-            </a:r>
-          </a:p>
-        </p:txBody>
-      </p:sp>
-      <p:sp>
-        <p:nvSpPr>
-          <p:cNvPr id="3" name="Content Placeholder 2"/>
-          <p:cNvSpPr>
-            <a:spLocks noGrp="1"/>
-          </p:cNvSpPr>
-          <p:nvPr>
-            <p:ph idx="1"/>
-          </p:nvPr>
-        </p:nvSpPr>
-        <p:spPr/>
-        <p:txBody>
-          <a:bodyPr/>
-          <a:lstStyle/>
-          <a:p>
-            <a:r>
-              <a:rPr lang="en-US" dirty="0"/>
-              <a:t>Bring your laptop</a:t>
-            </a:r>
-          </a:p>
-          <a:p>
-            <a:endParaRPr lang="en-US" dirty="0"/>
-          </a:p>
-          <a:p>
-            <a:r>
-              <a:rPr lang="en-US" dirty="0"/>
-              <a:t>Install (or update) R</a:t>
-            </a:r>
-          </a:p>
-          <a:p>
-            <a:pPr lvl="1"/>
-            <a:r>
-              <a:rPr lang="en-US" dirty="0"/>
-              <a:t>Open source via  </a:t>
-            </a:r>
-            <a:r>
-              <a:rPr lang="en-US" dirty="0">
-                <a:hlinkClick r:id="rId2"/>
-              </a:rPr>
-              <a:t>the Comprehensive R Archive Network</a:t>
-            </a:r>
-            <a:r>
-              <a:rPr lang="en-US" dirty="0"/>
-              <a:t> - </a:t>
-            </a:r>
-            <a:r>
-              <a:rPr lang="en-US" dirty="0">
-                <a:hlinkClick r:id="rId3"/>
-              </a:rPr>
-              <a:t>https://cran.r-project.org</a:t>
-            </a:r>
-            <a:endParaRPr lang="en-US" dirty="0"/>
-          </a:p>
-          <a:p>
-            <a:pPr lvl="1"/>
-            <a:r>
-              <a:rPr lang="en-US" dirty="0"/>
-              <a:t>Link is at the top of the page</a:t>
-            </a:r>
-          </a:p>
-          <a:p>
-            <a:pPr lvl="1"/>
-            <a:endParaRPr lang="en-US" dirty="0"/>
-          </a:p>
-          <a:p>
-            <a:r>
-              <a:rPr lang="en-US" dirty="0"/>
-              <a:t>Also, install </a:t>
-            </a:r>
-            <a:r>
-              <a:rPr lang="en-US" dirty="0" err="1"/>
-              <a:t>Rstudio</a:t>
-            </a:r>
-            <a:r>
-              <a:rPr lang="en-US" dirty="0"/>
-              <a:t> </a:t>
-            </a:r>
-          </a:p>
-          <a:p>
-            <a:pPr lvl="1"/>
-            <a:r>
-              <a:rPr lang="en-US" dirty="0"/>
-              <a:t>You want the desktop version</a:t>
-            </a:r>
-          </a:p>
-          <a:p>
-            <a:pPr lvl="1"/>
-            <a:r>
-              <a:rPr lang="en-US" dirty="0"/>
-              <a:t>https://</a:t>
-            </a:r>
-            <a:r>
-              <a:rPr lang="en-US" dirty="0" err="1"/>
-              <a:t>www.rstudio.com</a:t>
-            </a:r>
-            <a:r>
-              <a:rPr lang="en-US" dirty="0"/>
-              <a:t>/products/</a:t>
-            </a:r>
-            <a:r>
-              <a:rPr lang="en-US" dirty="0" err="1"/>
-              <a:t>rstudio</a:t>
-            </a:r>
-            <a:r>
-              <a:rPr lang="en-US" dirty="0"/>
-              <a:t>/</a:t>
-            </a:r>
-          </a:p>
-        </p:txBody>
-      </p:sp>
-    </p:spTree>
-    <p:extLst>
-      <p:ext uri="{BB962C8B-B14F-4D97-AF65-F5344CB8AC3E}">
-        <p14:creationId xmlns:p14="http://schemas.microsoft.com/office/powerpoint/2010/main" val="179595658"/>
       </p:ext>
     </p:extLst>
   </p:cSld>
@@ -7675,7 +8399,13 @@
       </p:grpSpPr>
       <p:sp>
         <p:nvSpPr>
-          <p:cNvPr id="2" name="Title 1"/>
+          <p:cNvPr id="2" name="Title 1">
+            <a:extLst>
+              <a:ext uri="{FF2B5EF4-FFF2-40B4-BE49-F238E27FC236}">
+                <a16:creationId xmlns:a16="http://schemas.microsoft.com/office/drawing/2014/main" id="{EC08F1BC-5FF7-2D42-A330-35045AEDFFAF}"/>
+              </a:ext>
+            </a:extLst>
+          </p:cNvPr>
           <p:cNvSpPr>
             <a:spLocks noGrp="1"/>
           </p:cNvSpPr>
@@ -7690,14 +8420,20 @@
           <a:p>
             <a:r>
               <a:rPr lang="en-US" dirty="0"/>
-              <a:t>Class structure</a:t>
-            </a:r>
-          </a:p>
-        </p:txBody>
-      </p:sp>
-      <p:sp>
-        <p:nvSpPr>
-          <p:cNvPr id="3" name="Content Placeholder 2"/>
+              <a:t>R experience</a:t>
+            </a:r>
+          </a:p>
+        </p:txBody>
+      </p:sp>
+      <p:sp>
+        <p:nvSpPr>
+          <p:cNvPr id="3" name="Content Placeholder 2">
+            <a:extLst>
+              <a:ext uri="{FF2B5EF4-FFF2-40B4-BE49-F238E27FC236}">
+                <a16:creationId xmlns:a16="http://schemas.microsoft.com/office/drawing/2014/main" id="{D1CF3E7D-E8A2-D54F-B4A0-4F9ED96FA1D0}"/>
+              </a:ext>
+            </a:extLst>
+          </p:cNvPr>
           <p:cNvSpPr>
             <a:spLocks noGrp="1"/>
           </p:cNvSpPr>
@@ -7707,92 +8443,47 @@
         </p:nvSpPr>
         <p:spPr/>
         <p:txBody>
-          <a:bodyPr>
-            <a:normAutofit lnSpcReduction="10000"/>
-          </a:bodyPr>
-          <a:lstStyle/>
-          <a:p>
-            <a:r>
-              <a:rPr lang="en-US" dirty="0"/>
-              <a:t>Tuesdays</a:t>
-            </a:r>
-          </a:p>
-          <a:p>
-            <a:pPr lvl="1"/>
-            <a:r>
-              <a:rPr lang="en-US" dirty="0"/>
-              <a:t>Lecture</a:t>
-            </a:r>
-          </a:p>
-          <a:p>
-            <a:pPr lvl="1"/>
-            <a:endParaRPr lang="en-US" dirty="0"/>
-          </a:p>
-          <a:p>
-            <a:r>
-              <a:rPr lang="en-US" dirty="0"/>
-              <a:t>Thursdays</a:t>
-            </a:r>
-          </a:p>
-          <a:p>
-            <a:pPr lvl="1"/>
-            <a:r>
-              <a:rPr lang="en-US" dirty="0"/>
-              <a:t>Working lab</a:t>
-            </a:r>
-          </a:p>
-          <a:p>
-            <a:pPr lvl="1"/>
-            <a:endParaRPr lang="en-US" dirty="0"/>
-          </a:p>
-          <a:p>
-            <a:r>
-              <a:rPr lang="en-US" dirty="0"/>
-              <a:t>Assignments will typically be given on Thursdays, and due by midnight on the following Wednesday.</a:t>
-            </a:r>
-          </a:p>
-          <a:p>
-            <a:pPr lvl="1"/>
-            <a:r>
-              <a:rPr lang="en-US" dirty="0"/>
-              <a:t>Most important: </a:t>
-            </a:r>
-            <a:r>
-              <a:rPr lang="en-US" b="1" dirty="0"/>
-              <a:t>Code should be reproducible. </a:t>
-            </a:r>
-          </a:p>
-          <a:p>
-            <a:pPr lvl="1"/>
-            <a:r>
-              <a:rPr lang="en-US" dirty="0"/>
-              <a:t>Email me if you need more time, participation is 10% of your grade</a:t>
-            </a:r>
-          </a:p>
-          <a:p>
-            <a:pPr lvl="1"/>
-            <a:r>
-              <a:rPr lang="en-US" dirty="0"/>
-              <a:t>Don’t agonize over these. </a:t>
-            </a:r>
-          </a:p>
-          <a:p>
-            <a:pPr lvl="1"/>
-            <a:endParaRPr lang="en-US" dirty="0"/>
-          </a:p>
-          <a:p>
-            <a:pPr lvl="1"/>
-            <a:endParaRPr lang="en-US" dirty="0"/>
-          </a:p>
-          <a:p>
-            <a:endParaRPr lang="en-US" dirty="0"/>
-          </a:p>
-        </p:txBody>
-      </p:sp>
+          <a:bodyPr/>
+          <a:lstStyle/>
+          <a:p>
+            <a:endParaRPr lang="en-US"/>
+          </a:p>
+        </p:txBody>
+      </p:sp>
+      <p:pic>
+        <p:nvPicPr>
+          <p:cNvPr id="4" name="Picture 3">
+            <a:extLst>
+              <a:ext uri="{FF2B5EF4-FFF2-40B4-BE49-F238E27FC236}">
+                <a16:creationId xmlns:a16="http://schemas.microsoft.com/office/drawing/2014/main" id="{D3FE3ED3-DE26-C644-BCB4-A3CE51861DB1}"/>
+              </a:ext>
+            </a:extLst>
+          </p:cNvPr>
+          <p:cNvPicPr>
+            <a:picLocks noChangeAspect="1"/>
+          </p:cNvPicPr>
+          <p:nvPr/>
+        </p:nvPicPr>
+        <p:blipFill>
+          <a:blip r:embed="rId2"/>
+          <a:stretch>
+            <a:fillRect/>
+          </a:stretch>
+        </p:blipFill>
+        <p:spPr>
+          <a:xfrm>
+            <a:off x="601435" y="1967620"/>
+            <a:ext cx="10989129" cy="4344280"/>
+          </a:xfrm>
+          <a:prstGeom prst="rect">
+            <a:avLst/>
+          </a:prstGeom>
+        </p:spPr>
+      </p:pic>
     </p:spTree>
     <p:extLst>
       <p:ext uri="{BB962C8B-B14F-4D97-AF65-F5344CB8AC3E}">
-        <p14:creationId xmlns:p14="http://schemas.microsoft.com/office/powerpoint/2010/main" val="1718344980"/>
+        <p14:creationId xmlns:p14="http://schemas.microsoft.com/office/powerpoint/2010/main" val="4173794902"/>
       </p:ext>
     </p:extLst>
   </p:cSld>
@@ -7821,7 +8512,13 @@
       </p:grpSpPr>
       <p:sp>
         <p:nvSpPr>
-          <p:cNvPr id="2" name="Title 1"/>
+          <p:cNvPr id="2" name="Title 1">
+            <a:extLst>
+              <a:ext uri="{FF2B5EF4-FFF2-40B4-BE49-F238E27FC236}">
+                <a16:creationId xmlns:a16="http://schemas.microsoft.com/office/drawing/2014/main" id="{01F6E02A-7B37-2C42-89CE-34E0DE1E5F8B}"/>
+              </a:ext>
+            </a:extLst>
+          </p:cNvPr>
           <p:cNvSpPr>
             <a:spLocks noGrp="1"/>
           </p:cNvSpPr>
@@ -7834,16 +8531,23 @@
           <a:bodyPr/>
           <a:lstStyle/>
           <a:p>
-            <a:r>
-              <a:rPr lang="en-US" dirty="0"/>
-              <a:t>Data</a:t>
-            </a:r>
-          </a:p>
-        </p:txBody>
-      </p:sp>
-      <p:sp>
-        <p:nvSpPr>
-          <p:cNvPr id="3" name="Content Placeholder 2"/>
+            <a:pPr algn="ctr"/>
+            <a:r>
+              <a:rPr lang="en-US" dirty="0"/>
+              <a:t>Statistics</a:t>
+            </a:r>
+          </a:p>
+        </p:txBody>
+      </p:sp>
+      <p:sp>
+        <p:nvSpPr>
+          <p:cNvPr id="3" name="Content Placeholder 2">
+            <a:extLst>
+              <a:ext uri="{FF2B5EF4-FFF2-40B4-BE49-F238E27FC236}">
+                <a16:creationId xmlns:a16="http://schemas.microsoft.com/office/drawing/2014/main" id="{029CCF27-EAEF-C84E-8F5C-A55116EE277A}"/>
+              </a:ext>
+            </a:extLst>
+          </p:cNvPr>
           <p:cNvSpPr>
             <a:spLocks noGrp="1"/>
           </p:cNvSpPr>
@@ -7853,49 +8557,47 @@
         </p:nvSpPr>
         <p:spPr/>
         <p:txBody>
-          <a:bodyPr>
-            <a:normAutofit fontScale="92500" lnSpcReduction="20000"/>
-          </a:bodyPr>
-          <a:lstStyle/>
-          <a:p>
-            <a:r>
-              <a:rPr lang="en-US" dirty="0"/>
-              <a:t>The goal of this course is teach you useful skills for exploring your own data.</a:t>
-            </a:r>
-          </a:p>
-          <a:p>
-            <a:endParaRPr lang="en-US" dirty="0"/>
-          </a:p>
-          <a:p>
-            <a:r>
-              <a:rPr lang="en-US" dirty="0"/>
-              <a:t>The best scenario is you use actual data from your thesis. </a:t>
-            </a:r>
-          </a:p>
-          <a:p>
-            <a:endParaRPr lang="en-US" dirty="0"/>
-          </a:p>
-          <a:p>
-            <a:r>
-              <a:rPr lang="en-US" dirty="0"/>
-              <a:t>Also acceptable: borrow a dataset that will be similar to your thesis dataset, ask your advisor – they may be thrilled to share something from their file cabinet. </a:t>
-            </a:r>
-          </a:p>
-          <a:p>
-            <a:endParaRPr lang="en-US" dirty="0"/>
-          </a:p>
-          <a:p>
-            <a:r>
-              <a:rPr lang="en-US" dirty="0"/>
-              <a:t>Online repositories are also great places to get data! Please let me know ASAP if you do not have any dataset or have any way of obtaining one so we can brainstorm some solutions.</a:t>
-            </a:r>
-          </a:p>
-        </p:txBody>
-      </p:sp>
+          <a:bodyPr/>
+          <a:lstStyle/>
+          <a:p>
+            <a:endParaRPr lang="en-US"/>
+          </a:p>
+        </p:txBody>
+      </p:sp>
+      <p:pic>
+        <p:nvPicPr>
+          <p:cNvPr id="5" name="Picture 4">
+            <a:extLst>
+              <a:ext uri="{FF2B5EF4-FFF2-40B4-BE49-F238E27FC236}">
+                <a16:creationId xmlns:a16="http://schemas.microsoft.com/office/drawing/2014/main" id="{A0FF13AE-5F25-474E-9C0E-B9D33CF3E888}"/>
+              </a:ext>
+            </a:extLst>
+          </p:cNvPr>
+          <p:cNvPicPr>
+            <a:picLocks noChangeAspect="1"/>
+          </p:cNvPicPr>
+          <p:nvPr/>
+        </p:nvPicPr>
+        <p:blipFill>
+          <a:blip r:embed="rId2"/>
+          <a:stretch>
+            <a:fillRect/>
+          </a:stretch>
+        </p:blipFill>
+        <p:spPr>
+          <a:xfrm>
+            <a:off x="0" y="1419095"/>
+            <a:ext cx="12192000" cy="4508176"/>
+          </a:xfrm>
+          <a:prstGeom prst="rect">
+            <a:avLst/>
+          </a:prstGeom>
+        </p:spPr>
+      </p:pic>
     </p:spTree>
     <p:extLst>
       <p:ext uri="{BB962C8B-B14F-4D97-AF65-F5344CB8AC3E}">
-        <p14:creationId xmlns:p14="http://schemas.microsoft.com/office/powerpoint/2010/main" val="522181417"/>
+        <p14:creationId xmlns:p14="http://schemas.microsoft.com/office/powerpoint/2010/main" val="3299724053"/>
       </p:ext>
     </p:extLst>
   </p:cSld>
@@ -7924,7 +8626,13 @@
       </p:grpSpPr>
       <p:sp>
         <p:nvSpPr>
-          <p:cNvPr id="2" name="Title 1"/>
+          <p:cNvPr id="2" name="Title 1">
+            <a:extLst>
+              <a:ext uri="{FF2B5EF4-FFF2-40B4-BE49-F238E27FC236}">
+                <a16:creationId xmlns:a16="http://schemas.microsoft.com/office/drawing/2014/main" id="{CDCD3ECB-57AD-CF42-BC7C-2082CBF35D2A}"/>
+              </a:ext>
+            </a:extLst>
+          </p:cNvPr>
           <p:cNvSpPr>
             <a:spLocks noGrp="1"/>
           </p:cNvSpPr>
@@ -7937,16 +8645,23 @@
           <a:bodyPr/>
           <a:lstStyle/>
           <a:p>
-            <a:r>
-              <a:rPr lang="en-US" dirty="0"/>
-              <a:t>What is R?</a:t>
-            </a:r>
-          </a:p>
-        </p:txBody>
-      </p:sp>
-      <p:sp>
-        <p:nvSpPr>
-          <p:cNvPr id="3" name="Content Placeholder 2"/>
+            <a:pPr algn="ctr"/>
+            <a:r>
+              <a:rPr lang="en-US" dirty="0"/>
+              <a:t>Diverse learners</a:t>
+            </a:r>
+          </a:p>
+        </p:txBody>
+      </p:sp>
+      <p:sp>
+        <p:nvSpPr>
+          <p:cNvPr id="3" name="Content Placeholder 2">
+            <a:extLst>
+              <a:ext uri="{FF2B5EF4-FFF2-40B4-BE49-F238E27FC236}">
+                <a16:creationId xmlns:a16="http://schemas.microsoft.com/office/drawing/2014/main" id="{40764F4E-56FF-CB4B-887C-99C72C0986CA}"/>
+              </a:ext>
+            </a:extLst>
+          </p:cNvPr>
           <p:cNvSpPr>
             <a:spLocks noGrp="1"/>
           </p:cNvSpPr>
@@ -7956,12 +8671,14 @@
         </p:nvSpPr>
         <p:spPr/>
         <p:txBody>
-          <a:bodyPr/>
-          <a:lstStyle/>
-          <a:p>
-            <a:r>
-              <a:rPr lang="en-US" dirty="0"/>
-              <a:t>R is a programming language.</a:t>
+          <a:bodyPr>
+            <a:normAutofit fontScale="70000" lnSpcReduction="20000"/>
+          </a:bodyPr>
+          <a:lstStyle/>
+          <a:p>
+            <a:r>
+              <a:rPr lang="en-US" dirty="0"/>
+              <a:t>This class is likely to have a diversity of learners with different experience</a:t>
             </a:r>
           </a:p>
           <a:p>
@@ -7970,7 +8687,7 @@
           <a:p>
             <a:r>
               <a:rPr lang="en-US" dirty="0"/>
-              <a:t>It’s open-source, which means any of us could write an contribute packages for R.</a:t>
+              <a:t>It’s important to remember that something that is boring to one person might be extremely challenging to another</a:t>
             </a:r>
           </a:p>
           <a:p>
@@ -7979,22 +8696,71 @@
           <a:p>
             <a:r>
               <a:rPr lang="en-US" dirty="0"/>
-              <a:t>This is both awesome and terrible. </a:t>
+              <a:t>Things I’ll try to do:</a:t>
             </a:r>
           </a:p>
           <a:p>
             <a:pPr lvl="1"/>
             <a:r>
               <a:rPr lang="en-US" dirty="0"/>
-              <a:t>What are some of the pros and cons of this? </a:t>
-            </a:r>
+              <a:t>Provide assignments with additional opportunities for advanced learners to keep everyone challenged</a:t>
+            </a:r>
+          </a:p>
+          <a:p>
+            <a:pPr lvl="1"/>
+            <a:r>
+              <a:rPr lang="en-US" dirty="0"/>
+              <a:t>Teach at a pace and level that doesn’t lose beginners while emphasizing tips and tricks that even the most advanced learners might learn something new</a:t>
+            </a:r>
+          </a:p>
+          <a:p>
+            <a:pPr lvl="1"/>
+            <a:r>
+              <a:rPr lang="en-US" dirty="0"/>
+              <a:t>Provide feedback on your thesis project (statistical, visualization, clarity, content) – hopefully helpful regardless of your skill level</a:t>
+            </a:r>
+            <a:br>
+              <a:rPr lang="en-US" dirty="0"/>
+            </a:br>
+            <a:endParaRPr lang="en-US" dirty="0"/>
+          </a:p>
+          <a:p>
+            <a:r>
+              <a:rPr lang="en-US" dirty="0"/>
+              <a:t>Things you can do:</a:t>
+            </a:r>
+          </a:p>
+          <a:p>
+            <a:pPr lvl="1"/>
+            <a:r>
+              <a:rPr lang="en-US" dirty="0"/>
+              <a:t>Help each other! </a:t>
+            </a:r>
+          </a:p>
+          <a:p>
+            <a:pPr lvl="1"/>
+            <a:r>
+              <a:rPr lang="en-US" dirty="0"/>
+              <a:t>Don’t just do the minimum – make an effort. Use this as an opportunity to work on your thesis!</a:t>
+            </a:r>
+          </a:p>
+          <a:p>
+            <a:pPr lvl="1"/>
+            <a:r>
+              <a:rPr lang="en-US" dirty="0"/>
+              <a:t>Set goals that will help to advance your thesis and make me aware of these goals so I can help to foster them.</a:t>
+            </a:r>
+          </a:p>
+          <a:p>
+            <a:pPr lvl="1"/>
+            <a:endParaRPr lang="en-US" dirty="0"/>
           </a:p>
         </p:txBody>
       </p:sp>
     </p:spTree>
     <p:extLst>
       <p:ext uri="{BB962C8B-B14F-4D97-AF65-F5344CB8AC3E}">
-        <p14:creationId xmlns:p14="http://schemas.microsoft.com/office/powerpoint/2010/main" val="873744527"/>
+        <p14:creationId xmlns:p14="http://schemas.microsoft.com/office/powerpoint/2010/main" val="1763459013"/>
       </p:ext>
     </p:extLst>
   </p:cSld>
@@ -8023,92 +8789,109 @@
       </p:grpSpPr>
       <p:sp>
         <p:nvSpPr>
-          <p:cNvPr id="2" name="Title 1"/>
-          <p:cNvSpPr>
-            <a:spLocks noGrp="1"/>
-          </p:cNvSpPr>
-          <p:nvPr>
-            <p:ph type="title"/>
-          </p:nvPr>
-        </p:nvSpPr>
-        <p:spPr/>
-        <p:txBody>
-          <a:bodyPr/>
-          <a:lstStyle/>
-          <a:p>
-            <a:r>
-              <a:rPr lang="en-US" dirty="0"/>
-              <a:t>Exploring R</a:t>
-            </a:r>
-          </a:p>
-        </p:txBody>
-      </p:sp>
-      <p:pic>
-        <p:nvPicPr>
-          <p:cNvPr id="4" name="Content Placeholder 3"/>
-          <p:cNvPicPr>
-            <a:picLocks noGrp="1" noChangeAspect="1"/>
-          </p:cNvPicPr>
-          <p:nvPr>
-            <p:ph idx="1"/>
-          </p:nvPr>
-        </p:nvPicPr>
-        <p:blipFill>
-          <a:blip r:embed="rId3">
+          <p:cNvPr id="2" name="Title 1">
             <a:extLst>
-              <a:ext uri="{28A0092B-C50C-407E-A947-70E740481C1C}">
-                <a14:useLocalDpi xmlns:a14="http://schemas.microsoft.com/office/drawing/2010/main" val="0"/>
+              <a:ext uri="{FF2B5EF4-FFF2-40B4-BE49-F238E27FC236}">
+                <a16:creationId xmlns:a16="http://schemas.microsoft.com/office/drawing/2014/main" id="{45538952-CD20-B144-8754-C69EC106FF76}"/>
               </a:ext>
             </a:extLst>
-          </a:blip>
-          <a:stretch>
-            <a:fillRect/>
-          </a:stretch>
-        </p:blipFill>
-        <p:spPr>
-          <a:xfrm>
-            <a:off x="1557108" y="1390910"/>
-            <a:ext cx="8711153" cy="5123093"/>
-          </a:xfrm>
-        </p:spPr>
-      </p:pic>
-      <p:sp>
-        <p:nvSpPr>
-          <p:cNvPr id="5" name="TextBox 4"/>
-          <p:cNvSpPr txBox="1"/>
-          <p:nvPr/>
-        </p:nvSpPr>
-        <p:spPr>
-          <a:xfrm>
-            <a:off x="2984501" y="3002240"/>
-            <a:ext cx="2654300" cy="923330"/>
-          </a:xfrm>
-          <a:prstGeom prst="rect">
-            <a:avLst/>
-          </a:prstGeom>
-          <a:noFill/>
-        </p:spPr>
-        <p:txBody>
-          <a:bodyPr wrap="square" rtlCol="0">
-            <a:spAutoFit/>
+          </p:cNvPr>
+          <p:cNvSpPr>
+            <a:spLocks noGrp="1"/>
+          </p:cNvSpPr>
+          <p:nvPr>
+            <p:ph type="title"/>
+          </p:nvPr>
+        </p:nvSpPr>
+        <p:spPr/>
+        <p:txBody>
+          <a:bodyPr/>
+          <a:lstStyle/>
+          <a:p>
+            <a:pPr algn="ctr"/>
+            <a:r>
+              <a:rPr lang="en-US" dirty="0"/>
+              <a:t>Providing feedback</a:t>
+            </a:r>
+          </a:p>
+        </p:txBody>
+      </p:sp>
+      <p:sp>
+        <p:nvSpPr>
+          <p:cNvPr id="3" name="Content Placeholder 2">
+            <a:extLst>
+              <a:ext uri="{FF2B5EF4-FFF2-40B4-BE49-F238E27FC236}">
+                <a16:creationId xmlns:a16="http://schemas.microsoft.com/office/drawing/2014/main" id="{B26AC415-8213-A843-AFA8-5085C78D6712}"/>
+              </a:ext>
+            </a:extLst>
+          </p:cNvPr>
+          <p:cNvSpPr>
+            <a:spLocks noGrp="1"/>
+          </p:cNvSpPr>
+          <p:nvPr>
+            <p:ph idx="1"/>
+          </p:nvPr>
+        </p:nvSpPr>
+        <p:spPr/>
+        <p:txBody>
+          <a:bodyPr>
+            <a:normAutofit/>
           </a:bodyPr>
           <a:lstStyle/>
           <a:p>
             <a:r>
+              <a:rPr lang="en-US" dirty="0"/>
+              <a:t>Early, always and whenever you are frustrated.</a:t>
+            </a:r>
+            <a:br>
+              <a:rPr lang="en-US" dirty="0"/>
+            </a:br>
+            <a:endParaRPr lang="en-US" dirty="0"/>
+          </a:p>
+          <a:p>
+            <a:pPr lvl="1"/>
+            <a:r>
+              <a:rPr lang="en-US" dirty="0"/>
+              <a:t>We will have extended topics where I’ll teach special things you are interested in learning about (via class vote) in the last couple of weeks.</a:t>
+            </a:r>
+            <a:br>
+              <a:rPr lang="en-US" dirty="0"/>
+            </a:br>
+            <a:endParaRPr lang="en-US" dirty="0"/>
+          </a:p>
+          <a:p>
+            <a:pPr lvl="1"/>
+            <a:r>
+              <a:rPr lang="en-US" dirty="0"/>
+              <a:t>We won’t be able to cover everything you want to learn, so please mention other things you’d like to learn early! I can try to integrate them into existing lectures. </a:t>
+            </a:r>
+          </a:p>
+          <a:p>
+            <a:r>
+              <a:rPr lang="en-US" dirty="0"/>
+              <a:t>Less helpful:</a:t>
+            </a:r>
+          </a:p>
+          <a:p>
+            <a:pPr lvl="1"/>
+            <a:r>
+              <a:rPr lang="en-US" dirty="0"/>
+              <a:t>Anonymously, after the class has ended. </a:t>
+            </a:r>
+            <a:r>
               <a:rPr lang="en-US" dirty="0">
-                <a:solidFill>
-                  <a:srgbClr val="FF0000"/>
-                </a:solidFill>
+                <a:sym typeface="Wingdings" pitchFamily="2" charset="2"/>
               </a:rPr>
-              <a:t>Write your commands here (command + enter) to run</a:t>
-            </a:r>
+              <a:t></a:t>
+            </a:r>
+            <a:endParaRPr lang="en-US" dirty="0"/>
           </a:p>
         </p:txBody>
       </p:sp>
     </p:spTree>
     <p:extLst>
       <p:ext uri="{BB962C8B-B14F-4D97-AF65-F5344CB8AC3E}">
-        <p14:creationId xmlns:p14="http://schemas.microsoft.com/office/powerpoint/2010/main" val="231632860"/>
+        <p14:creationId xmlns:p14="http://schemas.microsoft.com/office/powerpoint/2010/main" val="149503760"/>
       </p:ext>
     </p:extLst>
   </p:cSld>
@@ -8137,94 +8920,42 @@
       </p:grpSpPr>
       <p:sp>
         <p:nvSpPr>
-          <p:cNvPr id="2" name="Title 1"/>
-          <p:cNvSpPr>
-            <a:spLocks noGrp="1"/>
-          </p:cNvSpPr>
-          <p:nvPr>
-            <p:ph type="title"/>
-          </p:nvPr>
-        </p:nvSpPr>
-        <p:spPr/>
-        <p:txBody>
-          <a:bodyPr/>
-          <a:lstStyle/>
-          <a:p>
-            <a:r>
-              <a:rPr lang="en-US" dirty="0"/>
-              <a:t>Exploring R</a:t>
-            </a:r>
-          </a:p>
-        </p:txBody>
-      </p:sp>
-      <p:pic>
-        <p:nvPicPr>
-          <p:cNvPr id="4" name="Content Placeholder 3"/>
-          <p:cNvPicPr>
-            <a:picLocks noGrp="1" noChangeAspect="1"/>
-          </p:cNvPicPr>
-          <p:nvPr>
-            <p:ph idx="1"/>
-          </p:nvPr>
-        </p:nvPicPr>
-        <p:blipFill>
-          <a:blip r:embed="rId3">
+          <p:cNvPr id="2" name="Title 1">
             <a:extLst>
-              <a:ext uri="{28A0092B-C50C-407E-A947-70E740481C1C}">
-                <a14:useLocalDpi xmlns:a14="http://schemas.microsoft.com/office/drawing/2010/main" val="0"/>
+              <a:ext uri="{FF2B5EF4-FFF2-40B4-BE49-F238E27FC236}">
+                <a16:creationId xmlns:a16="http://schemas.microsoft.com/office/drawing/2014/main" id="{E9E52A8B-2424-9E4B-951B-81F743991718}"/>
               </a:ext>
             </a:extLst>
-          </a:blip>
-          <a:stretch>
-            <a:fillRect/>
-          </a:stretch>
-        </p:blipFill>
+          </p:cNvPr>
+          <p:cNvSpPr>
+            <a:spLocks noGrp="1"/>
+          </p:cNvSpPr>
+          <p:nvPr>
+            <p:ph type="title"/>
+          </p:nvPr>
+        </p:nvSpPr>
         <p:spPr>
           <a:xfrm>
-            <a:off x="1557108" y="1390910"/>
-            <a:ext cx="8711153" cy="5123093"/>
+            <a:off x="560614" y="2847068"/>
+            <a:ext cx="10515600" cy="1325563"/>
           </a:xfrm>
         </p:spPr>
-      </p:pic>
-      <p:sp>
-        <p:nvSpPr>
-          <p:cNvPr id="5" name="TextBox 4"/>
-          <p:cNvSpPr txBox="1"/>
-          <p:nvPr/>
-        </p:nvSpPr>
-        <p:spPr>
-          <a:xfrm>
-            <a:off x="838200" y="6190837"/>
-            <a:ext cx="7155677" cy="646331"/>
-          </a:xfrm>
-          <a:prstGeom prst="rect">
-            <a:avLst/>
-          </a:prstGeom>
-          <a:noFill/>
-        </p:spPr>
-        <p:txBody>
-          <a:bodyPr wrap="none" rtlCol="0">
-            <a:spAutoFit/>
-          </a:bodyPr>
-          <a:lstStyle/>
-          <a:p>
-            <a:r>
-              <a:rPr lang="en-US" dirty="0">
-                <a:solidFill>
-                  <a:srgbClr val="FF0000"/>
-                </a:solidFill>
-              </a:rPr>
-              <a:t>They will be executed here, in the console.</a:t>
-            </a:r>
-          </a:p>
-          <a:p>
-            <a:r>
-              <a:rPr lang="en-US" dirty="0">
-                <a:solidFill>
-                  <a:srgbClr val="FF0000"/>
-                </a:solidFill>
-              </a:rPr>
-              <a:t>You can also enter stuff directly into the console. (enter to run, esc to quit)</a:t>
+        <p:txBody>
+          <a:bodyPr/>
+          <a:lstStyle/>
+          <a:p>
+            <a:pPr algn="ctr"/>
+            <a:r>
+              <a:rPr lang="en-US" dirty="0"/>
+              <a:t>Regardless of your current abilities, </a:t>
+            </a:r>
+            <a:r>
+              <a:rPr lang="en-US" b="1" dirty="0"/>
+              <a:t>you</a:t>
+            </a:r>
+            <a:r>
+              <a:rPr lang="en-US" dirty="0"/>
+              <a:t> are my favorite student!</a:t>
             </a:r>
           </a:p>
         </p:txBody>
@@ -8232,7 +8963,7 @@
     </p:spTree>
     <p:extLst>
       <p:ext uri="{BB962C8B-B14F-4D97-AF65-F5344CB8AC3E}">
-        <p14:creationId xmlns:p14="http://schemas.microsoft.com/office/powerpoint/2010/main" val="1233782941"/>
+        <p14:creationId xmlns:p14="http://schemas.microsoft.com/office/powerpoint/2010/main" val="3370581895"/>
       </p:ext>
     </p:extLst>
   </p:cSld>
